--- a/book/figures/filesys.pptx
+++ b/book/figures/filesys.pptx
@@ -104,6 +104,11 @@
       </a:defRPr>
     </a:lvl9pPr>
   </p:defaultTextStyle>
+  <p:extLst>
+    <p:ext uri="{EFAFB233-063F-42B5-8137-9DF3F51BA10A}">
+      <p15:sldGuideLst xmlns:p15="http://schemas.microsoft.com/office/powerpoint/2012/main"/>
+    </p:ext>
+  </p:extLst>
 </p:presentation>
 </file>
 
@@ -254,7 +259,7 @@
           <a:p>
             <a:fld id="{4412AEDC-A045-EE43-A7CD-E7CB61F5952B}" type="datetimeFigureOut">
               <a:rPr lang="en-US" smtClean="0"/>
-              <a:t>7/24/23</a:t>
+              <a:t>11/1/23</a:t>
             </a:fld>
             <a:endParaRPr lang="en-US"/>
           </a:p>
@@ -452,7 +457,7 @@
           <a:p>
             <a:fld id="{4412AEDC-A045-EE43-A7CD-E7CB61F5952B}" type="datetimeFigureOut">
               <a:rPr lang="en-US" smtClean="0"/>
-              <a:t>7/24/23</a:t>
+              <a:t>11/1/23</a:t>
             </a:fld>
             <a:endParaRPr lang="en-US"/>
           </a:p>
@@ -660,7 +665,7 @@
           <a:p>
             <a:fld id="{4412AEDC-A045-EE43-A7CD-E7CB61F5952B}" type="datetimeFigureOut">
               <a:rPr lang="en-US" smtClean="0"/>
-              <a:t>7/24/23</a:t>
+              <a:t>11/1/23</a:t>
             </a:fld>
             <a:endParaRPr lang="en-US"/>
           </a:p>
@@ -858,7 +863,7 @@
           <a:p>
             <a:fld id="{4412AEDC-A045-EE43-A7CD-E7CB61F5952B}" type="datetimeFigureOut">
               <a:rPr lang="en-US" smtClean="0"/>
-              <a:t>7/24/23</a:t>
+              <a:t>11/1/23</a:t>
             </a:fld>
             <a:endParaRPr lang="en-US"/>
           </a:p>
@@ -1133,7 +1138,7 @@
           <a:p>
             <a:fld id="{4412AEDC-A045-EE43-A7CD-E7CB61F5952B}" type="datetimeFigureOut">
               <a:rPr lang="en-US" smtClean="0"/>
-              <a:t>7/24/23</a:t>
+              <a:t>11/1/23</a:t>
             </a:fld>
             <a:endParaRPr lang="en-US"/>
           </a:p>
@@ -1398,7 +1403,7 @@
           <a:p>
             <a:fld id="{4412AEDC-A045-EE43-A7CD-E7CB61F5952B}" type="datetimeFigureOut">
               <a:rPr lang="en-US" smtClean="0"/>
-              <a:t>7/24/23</a:t>
+              <a:t>11/1/23</a:t>
             </a:fld>
             <a:endParaRPr lang="en-US"/>
           </a:p>
@@ -1810,7 +1815,7 @@
           <a:p>
             <a:fld id="{4412AEDC-A045-EE43-A7CD-E7CB61F5952B}" type="datetimeFigureOut">
               <a:rPr lang="en-US" smtClean="0"/>
-              <a:t>7/24/23</a:t>
+              <a:t>11/1/23</a:t>
             </a:fld>
             <a:endParaRPr lang="en-US"/>
           </a:p>
@@ -1951,7 +1956,7 @@
           <a:p>
             <a:fld id="{4412AEDC-A045-EE43-A7CD-E7CB61F5952B}" type="datetimeFigureOut">
               <a:rPr lang="en-US" smtClean="0"/>
-              <a:t>7/24/23</a:t>
+              <a:t>11/1/23</a:t>
             </a:fld>
             <a:endParaRPr lang="en-US"/>
           </a:p>
@@ -2064,7 +2069,7 @@
           <a:p>
             <a:fld id="{4412AEDC-A045-EE43-A7CD-E7CB61F5952B}" type="datetimeFigureOut">
               <a:rPr lang="en-US" smtClean="0"/>
-              <a:t>7/24/23</a:t>
+              <a:t>11/1/23</a:t>
             </a:fld>
             <a:endParaRPr lang="en-US"/>
           </a:p>
@@ -2375,7 +2380,7 @@
           <a:p>
             <a:fld id="{4412AEDC-A045-EE43-A7CD-E7CB61F5952B}" type="datetimeFigureOut">
               <a:rPr lang="en-US" smtClean="0"/>
-              <a:t>7/24/23</a:t>
+              <a:t>11/1/23</a:t>
             </a:fld>
             <a:endParaRPr lang="en-US"/>
           </a:p>
@@ -2663,7 +2668,7 @@
           <a:p>
             <a:fld id="{4412AEDC-A045-EE43-A7CD-E7CB61F5952B}" type="datetimeFigureOut">
               <a:rPr lang="en-US" smtClean="0"/>
-              <a:t>7/24/23</a:t>
+              <a:t>11/1/23</a:t>
             </a:fld>
             <a:endParaRPr lang="en-US"/>
           </a:p>
@@ -2904,7 +2909,7 @@
           <a:p>
             <a:fld id="{4412AEDC-A045-EE43-A7CD-E7CB61F5952B}" type="datetimeFigureOut">
               <a:rPr lang="en-US" smtClean="0"/>
-              <a:t>7/24/23</a:t>
+              <a:t>11/1/23</a:t>
             </a:fld>
             <a:endParaRPr lang="en-US"/>
           </a:p>
@@ -3335,7 +3340,7 @@
         </p:nvSpPr>
         <p:spPr>
           <a:xfrm>
-            <a:off x="1186543" y="1164771"/>
+            <a:off x="1653038" y="1164771"/>
             <a:ext cx="598714" cy="598714"/>
           </a:xfrm>
           <a:prstGeom prst="rect">
@@ -3390,7 +3395,7 @@
         </p:nvSpPr>
         <p:spPr>
           <a:xfrm>
-            <a:off x="1796143" y="1164771"/>
+            <a:off x="4157910" y="1164771"/>
             <a:ext cx="598714" cy="598714"/>
           </a:xfrm>
           <a:prstGeom prst="rect">
@@ -3438,7 +3443,7 @@
         </p:nvSpPr>
         <p:spPr>
           <a:xfrm>
-            <a:off x="3603172" y="1164771"/>
+            <a:off x="5964939" y="1164771"/>
             <a:ext cx="598714" cy="598714"/>
           </a:xfrm>
           <a:prstGeom prst="rect">
@@ -3486,7 +3491,7 @@
         </p:nvSpPr>
         <p:spPr>
           <a:xfrm>
-            <a:off x="4212772" y="1164771"/>
+            <a:off x="6572250" y="1164771"/>
             <a:ext cx="598714" cy="598714"/>
           </a:xfrm>
           <a:prstGeom prst="rect">
@@ -3582,7 +3587,7 @@
         </p:nvCxnSpPr>
         <p:spPr>
           <a:xfrm>
-            <a:off x="2394857" y="1164771"/>
+            <a:off x="4756624" y="1164771"/>
             <a:ext cx="1208315" cy="0"/>
           </a:xfrm>
           <a:prstGeom prst="line">
@@ -3626,7 +3631,7 @@
         </p:nvCxnSpPr>
         <p:spPr>
           <a:xfrm>
-            <a:off x="2394857" y="1763486"/>
+            <a:off x="4756624" y="1763486"/>
             <a:ext cx="1208315" cy="0"/>
           </a:xfrm>
           <a:prstGeom prst="line">
@@ -3670,8 +3675,8 @@
         </p:nvCxnSpPr>
         <p:spPr>
           <a:xfrm>
-            <a:off x="4811486" y="1164771"/>
-            <a:ext cx="3624943" cy="0"/>
+            <a:off x="7170964" y="1164771"/>
+            <a:ext cx="1284514" cy="0"/>
           </a:xfrm>
           <a:prstGeom prst="line">
             <a:avLst/>
@@ -3714,8 +3719,8 @@
         </p:nvCxnSpPr>
         <p:spPr>
           <a:xfrm>
-            <a:off x="4811486" y="1763486"/>
-            <a:ext cx="3624943" cy="0"/>
+            <a:off x="7170964" y="1763486"/>
+            <a:ext cx="1284514" cy="0"/>
           </a:xfrm>
           <a:prstGeom prst="line">
             <a:avLst/>
@@ -3756,7 +3761,7 @@
         </p:nvSpPr>
         <p:spPr>
           <a:xfrm rot="5400000">
-            <a:off x="2848838" y="-276887"/>
+            <a:off x="5210605" y="-276887"/>
             <a:ext cx="300352" cy="2405743"/>
           </a:xfrm>
           <a:prstGeom prst="leftBrace">
@@ -3793,58 +3798,6 @@
       </p:sp>
       <p:sp>
         <p:nvSpPr>
-          <p:cNvPr id="28" name="Left Brace 27">
-            <a:extLst>
-              <a:ext uri="{FF2B5EF4-FFF2-40B4-BE49-F238E27FC236}">
-                <a16:creationId xmlns:a16="http://schemas.microsoft.com/office/drawing/2014/main" id="{1D4B0E2B-A756-96DC-7382-189C8FF2F709}"/>
-              </a:ext>
-            </a:extLst>
-          </p:cNvPr>
-          <p:cNvSpPr/>
-          <p:nvPr/>
-        </p:nvSpPr>
-        <p:spPr>
-          <a:xfrm rot="5400000">
-            <a:off x="6473781" y="-1485201"/>
-            <a:ext cx="300353" cy="4822372"/>
-          </a:xfrm>
-          <a:prstGeom prst="leftBrace">
-            <a:avLst>
-              <a:gd name="adj1" fmla="val 0"/>
-              <a:gd name="adj2" fmla="val 50000"/>
-            </a:avLst>
-          </a:prstGeom>
-          <a:ln w="19050">
-            <a:solidFill>
-              <a:schemeClr val="tx1"/>
-            </a:solidFill>
-          </a:ln>
-        </p:spPr>
-        <p:style>
-          <a:lnRef idx="1">
-            <a:schemeClr val="accent1"/>
-          </a:lnRef>
-          <a:fillRef idx="0">
-            <a:schemeClr val="accent1"/>
-          </a:fillRef>
-          <a:effectRef idx="0">
-            <a:schemeClr val="accent1"/>
-          </a:effectRef>
-          <a:fontRef idx="minor">
-            <a:schemeClr val="tx1"/>
-          </a:fontRef>
-        </p:style>
-        <p:txBody>
-          <a:bodyPr rtlCol="0" anchor="ctr"/>
-          <a:lstStyle/>
-          <a:p>
-            <a:pPr algn="ctr"/>
-            <a:endParaRPr lang="en-US" dirty="0"/>
-          </a:p>
-        </p:txBody>
-      </p:sp>
-      <p:sp>
-        <p:nvSpPr>
           <p:cNvPr id="29" name="TextBox 28">
             <a:extLst>
               <a:ext uri="{FF2B5EF4-FFF2-40B4-BE49-F238E27FC236}">
@@ -3857,7 +3810,7 @@
         </p:nvSpPr>
         <p:spPr>
           <a:xfrm>
-            <a:off x="2394857" y="406476"/>
+            <a:off x="4756624" y="406476"/>
             <a:ext cx="1357551" cy="369332"/>
           </a:xfrm>
           <a:prstGeom prst="rect">
@@ -3896,7 +3849,7 @@
         </p:nvSpPr>
         <p:spPr>
           <a:xfrm>
-            <a:off x="5739099" y="406476"/>
+            <a:off x="7105258" y="406476"/>
             <a:ext cx="1769715" cy="369332"/>
           </a:xfrm>
           <a:prstGeom prst="rect">
@@ -3932,7 +3885,7 @@
         </p:nvGrpSpPr>
         <p:grpSpPr>
           <a:xfrm>
-            <a:off x="1842408" y="1251860"/>
+            <a:off x="4204175" y="1251860"/>
             <a:ext cx="506186" cy="424535"/>
             <a:chOff x="2095500" y="2590800"/>
             <a:chExt cx="506186" cy="751114"/>
@@ -4161,7 +4114,7 @@
         </p:nvGrpSpPr>
         <p:grpSpPr>
           <a:xfrm>
-            <a:off x="3649437" y="1251860"/>
+            <a:off x="6011204" y="1251860"/>
             <a:ext cx="506186" cy="424535"/>
             <a:chOff x="2095500" y="2590800"/>
             <a:chExt cx="506186" cy="751114"/>
@@ -4390,7 +4343,7 @@
         </p:nvSpPr>
         <p:spPr>
           <a:xfrm>
-            <a:off x="1344384" y="1777207"/>
+            <a:off x="1848032" y="1777207"/>
             <a:ext cx="283029" cy="369311"/>
           </a:xfrm>
           <a:prstGeom prst="rect">
@@ -4425,7 +4378,7 @@
         </p:nvSpPr>
         <p:spPr>
           <a:xfrm>
-            <a:off x="1953985" y="1777207"/>
+            <a:off x="2406735" y="1777207"/>
             <a:ext cx="283029" cy="369311"/>
           </a:xfrm>
           <a:prstGeom prst="rect">
@@ -4462,7 +4415,7 @@
             </p:nvSpPr>
             <p:spPr>
               <a:xfrm>
-                <a:off x="3472543" y="1777207"/>
+                <a:off x="3426504" y="1777207"/>
                 <a:ext cx="898071" cy="369332"/>
               </a:xfrm>
               <a:prstGeom prst="rect">
@@ -4484,10 +4437,10 @@
                     </m:oMathParaPr>
                     <m:oMath xmlns:m="http://schemas.openxmlformats.org/officeDocument/2006/math">
                       <m:r>
-                        <a:rPr lang="en-US" i="1" dirty="0" smtClean="0">
+                        <a:rPr lang="en-US" b="0" i="1" dirty="0" smtClean="0">
                           <a:latin typeface="Cambria Math" panose="02040503050406030204" pitchFamily="18" charset="0"/>
                         </a:rPr>
-                        <m:t>𝑚</m:t>
+                        <m:t>𝑏</m:t>
                       </m:r>
                     </m:oMath>
                   </m:oMathPara>
@@ -4514,7 +4467,7 @@
             </p:nvSpPr>
             <p:spPr>
               <a:xfrm>
-                <a:off x="3472543" y="1777207"/>
+                <a:off x="3426504" y="1777207"/>
                 <a:ext cx="898071" cy="369332"/>
               </a:xfrm>
               <a:prstGeom prst="rect">
@@ -4542,8 +4495,8 @@
           </p:sp>
         </mc:Fallback>
       </mc:AlternateContent>
-      <mc:AlternateContent xmlns:mc="http://schemas.openxmlformats.org/markup-compatibility/2006">
-        <mc:Choice xmlns:a14="http://schemas.microsoft.com/office/drawing/2010/main" Requires="a14">
+      <mc:AlternateContent xmlns:mc="http://schemas.openxmlformats.org/markup-compatibility/2006" xmlns:a14="http://schemas.microsoft.com/office/drawing/2010/main">
+        <mc:Choice Requires="a14">
           <p:sp>
             <p:nvSpPr>
               <p:cNvPr id="47" name="TextBox 46">
@@ -4599,7 +4552,7 @@
             </p:txBody>
           </p:sp>
         </mc:Choice>
-        <mc:Fallback>
+        <mc:Fallback xmlns="">
           <p:sp>
             <p:nvSpPr>
               <p:cNvPr id="47" name="TextBox 46">
@@ -4660,7 +4613,7 @@
             </p:nvSpPr>
             <p:spPr>
               <a:xfrm>
-                <a:off x="4112079" y="1777207"/>
+                <a:off x="4042792" y="1777207"/>
                 <a:ext cx="898071" cy="369332"/>
               </a:xfrm>
               <a:prstGeom prst="rect">
@@ -4682,10 +4635,10 @@
                     </m:oMathParaPr>
                     <m:oMath xmlns:m="http://schemas.openxmlformats.org/officeDocument/2006/math">
                       <m:r>
-                        <a:rPr lang="en-US" i="1" dirty="0" smtClean="0">
+                        <a:rPr lang="en-US" b="0" i="1" dirty="0" smtClean="0">
                           <a:latin typeface="Cambria Math" panose="02040503050406030204" pitchFamily="18" charset="0"/>
                         </a:rPr>
-                        <m:t>𝑚</m:t>
+                        <m:t>𝑏</m:t>
                       </m:r>
                       <m:r>
                         <a:rPr lang="en-US" b="0" i="1" dirty="0" smtClean="0">
@@ -4718,7 +4671,7 @@
             </p:nvSpPr>
             <p:spPr>
               <a:xfrm>
-                <a:off x="4112079" y="1777207"/>
+                <a:off x="4042792" y="1777207"/>
                 <a:ext cx="898071" cy="369332"/>
               </a:xfrm>
               <a:prstGeom prst="rect">
@@ -4761,13 +4714,13 @@
           <p:nvPr>
             <p:extLst>
               <p:ext uri="{D42A27DB-BD31-4B8C-83A1-F6EECF244321}">
-                <p14:modId xmlns:p14="http://schemas.microsoft.com/office/powerpoint/2010/main" val="402846916"/>
+                <p14:modId xmlns:p14="http://schemas.microsoft.com/office/powerpoint/2010/main" val="3396465240"/>
               </p:ext>
             </p:extLst>
           </p:nvPr>
         </p:nvGraphicFramePr>
         <p:xfrm>
-          <a:off x="1140280" y="2720563"/>
+          <a:off x="2457989" y="2720563"/>
           <a:ext cx="1208314" cy="1112520"/>
         </p:xfrm>
         <a:graphic>
@@ -4977,7 +4930,7 @@
         </p:nvSpPr>
         <p:spPr>
           <a:xfrm>
-            <a:off x="2863623" y="2610496"/>
+            <a:off x="4205468" y="2490227"/>
             <a:ext cx="598714" cy="598714"/>
           </a:xfrm>
           <a:prstGeom prst="rect">
@@ -5027,7 +4980,7 @@
         </p:nvCxnSpPr>
         <p:spPr>
           <a:xfrm flipV="1">
-            <a:off x="2231096" y="2949009"/>
+            <a:off x="3548805" y="2949009"/>
             <a:ext cx="929706" cy="333341"/>
           </a:xfrm>
           <a:prstGeom prst="straightConnector1">
@@ -5070,7 +5023,7 @@
         </p:nvSpPr>
         <p:spPr>
           <a:xfrm>
-            <a:off x="2863623" y="3524896"/>
+            <a:off x="4221930" y="3276294"/>
             <a:ext cx="598714" cy="598714"/>
           </a:xfrm>
           <a:prstGeom prst="rect">
@@ -5120,9 +5073,9 @@
           <p:nvPr/>
         </p:nvCxnSpPr>
         <p:spPr>
-          <a:xfrm>
-            <a:off x="2231096" y="3650151"/>
-            <a:ext cx="632527" cy="174102"/>
+          <a:xfrm flipV="1">
+            <a:off x="3542433" y="3575651"/>
+            <a:ext cx="679497" cy="53620"/>
           </a:xfrm>
           <a:prstGeom prst="straightConnector1">
             <a:avLst/>
@@ -5164,7 +5117,7 @@
         </p:nvSpPr>
         <p:spPr>
           <a:xfrm>
-            <a:off x="2861445" y="3524896"/>
+            <a:off x="4219752" y="3276294"/>
             <a:ext cx="598714" cy="299357"/>
           </a:xfrm>
           <a:prstGeom prst="rect">
@@ -5212,7 +5165,7 @@
         </p:nvSpPr>
         <p:spPr>
           <a:xfrm>
-            <a:off x="2861445" y="3677296"/>
+            <a:off x="4219752" y="3428694"/>
             <a:ext cx="598714" cy="299357"/>
           </a:xfrm>
           <a:prstGeom prst="rect">
@@ -5260,7 +5213,7 @@
         </p:nvSpPr>
         <p:spPr>
           <a:xfrm>
-            <a:off x="4071257" y="2720563"/>
+            <a:off x="5995552" y="2490227"/>
             <a:ext cx="598714" cy="598714"/>
           </a:xfrm>
           <a:prstGeom prst="rect">
@@ -5308,7 +5261,7 @@
         </p:nvSpPr>
         <p:spPr>
           <a:xfrm>
-            <a:off x="4069624" y="3430310"/>
+            <a:off x="5993919" y="3199974"/>
             <a:ext cx="598714" cy="598714"/>
           </a:xfrm>
           <a:prstGeom prst="rect">
@@ -5358,8 +5311,8 @@
         </p:nvCxnSpPr>
         <p:spPr>
           <a:xfrm flipV="1">
-            <a:off x="3209653" y="3018449"/>
-            <a:ext cx="1168588" cy="582647"/>
+            <a:off x="4527362" y="2891294"/>
+            <a:ext cx="1744563" cy="758898"/>
           </a:xfrm>
           <a:prstGeom prst="straightConnector1">
             <a:avLst/>
@@ -5403,8 +5356,8 @@
         </p:nvCxnSpPr>
         <p:spPr>
           <a:xfrm flipV="1">
-            <a:off x="3209653" y="3712129"/>
-            <a:ext cx="1159328" cy="41367"/>
+            <a:off x="4536622" y="3575651"/>
+            <a:ext cx="1735303" cy="225430"/>
           </a:xfrm>
           <a:prstGeom prst="straightConnector1">
             <a:avLst/>
@@ -5434,10 +5387,1697 @@
       </p:cxnSp>
       <p:sp>
         <p:nvSpPr>
-          <p:cNvPr id="71" name="Rectangle 70">
-            <a:extLst>
-              <a:ext uri="{FF2B5EF4-FFF2-40B4-BE49-F238E27FC236}">
-                <a16:creationId xmlns:a16="http://schemas.microsoft.com/office/drawing/2014/main" id="{28CEE9E6-1A2C-A910-28D1-D64FB0FF3D5E}"/>
+          <p:cNvPr id="126" name="TextBox 125">
+            <a:extLst>
+              <a:ext uri="{FF2B5EF4-FFF2-40B4-BE49-F238E27FC236}">
+                <a16:creationId xmlns:a16="http://schemas.microsoft.com/office/drawing/2014/main" id="{1B896492-8BE6-DDA4-2786-06B2DB7F260A}"/>
+              </a:ext>
+            </a:extLst>
+          </p:cNvPr>
+          <p:cNvSpPr txBox="1"/>
+          <p:nvPr/>
+        </p:nvSpPr>
+        <p:spPr>
+          <a:xfrm>
+            <a:off x="2731065" y="2373642"/>
+            <a:ext cx="718466" cy="369332"/>
+          </a:xfrm>
+          <a:prstGeom prst="rect">
+            <a:avLst/>
+          </a:prstGeom>
+          <a:noFill/>
+        </p:spPr>
+        <p:txBody>
+          <a:bodyPr wrap="none" rtlCol="0">
+            <a:spAutoFit/>
+          </a:bodyPr>
+          <a:lstStyle/>
+          <a:p>
+            <a:r>
+              <a:rPr lang="en-US" dirty="0" err="1"/>
+              <a:t>inode</a:t>
+            </a:r>
+            <a:endParaRPr lang="en-US" dirty="0"/>
+          </a:p>
+        </p:txBody>
+      </p:sp>
+      <p:sp>
+        <p:nvSpPr>
+          <p:cNvPr id="128" name="TextBox 127">
+            <a:extLst>
+              <a:ext uri="{FF2B5EF4-FFF2-40B4-BE49-F238E27FC236}">
+                <a16:creationId xmlns:a16="http://schemas.microsoft.com/office/drawing/2014/main" id="{DFB1E7FB-9B5D-18D8-4226-D902993FF961}"/>
+              </a:ext>
+            </a:extLst>
+          </p:cNvPr>
+          <p:cNvSpPr txBox="1"/>
+          <p:nvPr/>
+        </p:nvSpPr>
+        <p:spPr>
+          <a:xfrm>
+            <a:off x="1362741" y="591142"/>
+            <a:ext cx="436338" cy="369332"/>
+          </a:xfrm>
+          <a:prstGeom prst="rect">
+            <a:avLst/>
+          </a:prstGeom>
+          <a:noFill/>
+        </p:spPr>
+        <p:txBody>
+          <a:bodyPr wrap="square" rtlCol="0">
+            <a:spAutoFit/>
+          </a:bodyPr>
+          <a:lstStyle/>
+          <a:p>
+            <a:r>
+              <a:rPr lang="en-US" dirty="0"/>
+              <a:t>(a)</a:t>
+            </a:r>
+          </a:p>
+        </p:txBody>
+      </p:sp>
+      <p:sp>
+        <p:nvSpPr>
+          <p:cNvPr id="129" name="TextBox 128">
+            <a:extLst>
+              <a:ext uri="{FF2B5EF4-FFF2-40B4-BE49-F238E27FC236}">
+                <a16:creationId xmlns:a16="http://schemas.microsoft.com/office/drawing/2014/main" id="{96C4A9DA-7278-EB65-A06F-9D7A3E57CE30}"/>
+              </a:ext>
+            </a:extLst>
+          </p:cNvPr>
+          <p:cNvSpPr txBox="1"/>
+          <p:nvPr/>
+        </p:nvSpPr>
+        <p:spPr>
+          <a:xfrm>
+            <a:off x="1358198" y="2210596"/>
+            <a:ext cx="517526" cy="369332"/>
+          </a:xfrm>
+          <a:prstGeom prst="rect">
+            <a:avLst/>
+          </a:prstGeom>
+          <a:noFill/>
+        </p:spPr>
+        <p:txBody>
+          <a:bodyPr wrap="square" rtlCol="0">
+            <a:spAutoFit/>
+          </a:bodyPr>
+          <a:lstStyle/>
+          <a:p>
+            <a:r>
+              <a:rPr lang="en-US" dirty="0"/>
+              <a:t>(b)</a:t>
+            </a:r>
+          </a:p>
+        </p:txBody>
+      </p:sp>
+      <p:grpSp>
+        <p:nvGrpSpPr>
+          <p:cNvPr id="171" name="Group 170">
+            <a:extLst>
+              <a:ext uri="{FF2B5EF4-FFF2-40B4-BE49-F238E27FC236}">
+                <a16:creationId xmlns:a16="http://schemas.microsoft.com/office/drawing/2014/main" id="{9B285709-ED9E-07B9-647B-438E1CD0B762}"/>
+              </a:ext>
+            </a:extLst>
+          </p:cNvPr>
+          <p:cNvGrpSpPr/>
+          <p:nvPr/>
+        </p:nvGrpSpPr>
+        <p:grpSpPr>
+          <a:xfrm>
+            <a:off x="2335072" y="1272414"/>
+            <a:ext cx="430892" cy="378181"/>
+            <a:chOff x="1439865" y="5220668"/>
+            <a:chExt cx="430892" cy="378181"/>
+          </a:xfrm>
+        </p:grpSpPr>
+        <p:sp>
+          <p:nvSpPr>
+            <p:cNvPr id="19" name="Rectangle 18">
+              <a:extLst>
+                <a:ext uri="{FF2B5EF4-FFF2-40B4-BE49-F238E27FC236}">
+                  <a16:creationId xmlns:a16="http://schemas.microsoft.com/office/drawing/2014/main" id="{2AA127AD-8460-D178-7533-9912F0F242D0}"/>
+                </a:ext>
+              </a:extLst>
+            </p:cNvPr>
+            <p:cNvSpPr/>
+            <p:nvPr/>
+          </p:nvSpPr>
+          <p:spPr>
+            <a:xfrm>
+              <a:off x="1439865" y="5220668"/>
+              <a:ext cx="46717" cy="47981"/>
+            </a:xfrm>
+            <a:prstGeom prst="rect">
+              <a:avLst/>
+            </a:prstGeom>
+            <a:noFill/>
+            <a:ln w="12700">
+              <a:solidFill>
+                <a:schemeClr val="tx1"/>
+              </a:solidFill>
+            </a:ln>
+          </p:spPr>
+          <p:style>
+            <a:lnRef idx="2">
+              <a:schemeClr val="accent1">
+                <a:shade val="15000"/>
+              </a:schemeClr>
+            </a:lnRef>
+            <a:fillRef idx="1">
+              <a:schemeClr val="accent1"/>
+            </a:fillRef>
+            <a:effectRef idx="0">
+              <a:schemeClr val="accent1"/>
+            </a:effectRef>
+            <a:fontRef idx="minor">
+              <a:schemeClr val="lt1"/>
+            </a:fontRef>
+          </p:style>
+          <p:txBody>
+            <a:bodyPr rtlCol="0" anchor="ctr"/>
+            <a:lstStyle/>
+            <a:p>
+              <a:pPr algn="ctr"/>
+              <a:endParaRPr lang="en-US"/>
+            </a:p>
+          </p:txBody>
+        </p:sp>
+        <p:sp>
+          <p:nvSpPr>
+            <p:cNvPr id="20" name="Rectangle 19">
+              <a:extLst>
+                <a:ext uri="{FF2B5EF4-FFF2-40B4-BE49-F238E27FC236}">
+                  <a16:creationId xmlns:a16="http://schemas.microsoft.com/office/drawing/2014/main" id="{EB87F47F-5B9F-C22F-07FE-2826C4DC9C33}"/>
+                </a:ext>
+              </a:extLst>
+            </p:cNvPr>
+            <p:cNvSpPr/>
+            <p:nvPr/>
+          </p:nvSpPr>
+          <p:spPr>
+            <a:xfrm>
+              <a:off x="1516065" y="5220668"/>
+              <a:ext cx="46717" cy="47981"/>
+            </a:xfrm>
+            <a:prstGeom prst="rect">
+              <a:avLst/>
+            </a:prstGeom>
+            <a:noFill/>
+            <a:ln w="12700">
+              <a:solidFill>
+                <a:schemeClr val="tx1"/>
+              </a:solidFill>
+            </a:ln>
+          </p:spPr>
+          <p:style>
+            <a:lnRef idx="2">
+              <a:schemeClr val="accent1">
+                <a:shade val="15000"/>
+              </a:schemeClr>
+            </a:lnRef>
+            <a:fillRef idx="1">
+              <a:schemeClr val="accent1"/>
+            </a:fillRef>
+            <a:effectRef idx="0">
+              <a:schemeClr val="accent1"/>
+            </a:effectRef>
+            <a:fontRef idx="minor">
+              <a:schemeClr val="lt1"/>
+            </a:fontRef>
+          </p:style>
+          <p:txBody>
+            <a:bodyPr rtlCol="0" anchor="ctr"/>
+            <a:lstStyle/>
+            <a:p>
+              <a:pPr algn="ctr"/>
+              <a:endParaRPr lang="en-US"/>
+            </a:p>
+          </p:txBody>
+        </p:sp>
+        <p:sp>
+          <p:nvSpPr>
+            <p:cNvPr id="25" name="Rectangle 24">
+              <a:extLst>
+                <a:ext uri="{FF2B5EF4-FFF2-40B4-BE49-F238E27FC236}">
+                  <a16:creationId xmlns:a16="http://schemas.microsoft.com/office/drawing/2014/main" id="{F48F7296-79FC-4E5C-6FA0-0BD63A231199}"/>
+                </a:ext>
+              </a:extLst>
+            </p:cNvPr>
+            <p:cNvSpPr/>
+            <p:nvPr/>
+          </p:nvSpPr>
+          <p:spPr>
+            <a:xfrm>
+              <a:off x="1595440" y="5220668"/>
+              <a:ext cx="46717" cy="47981"/>
+            </a:xfrm>
+            <a:prstGeom prst="rect">
+              <a:avLst/>
+            </a:prstGeom>
+            <a:noFill/>
+            <a:ln w="12700">
+              <a:solidFill>
+                <a:schemeClr val="tx1"/>
+              </a:solidFill>
+            </a:ln>
+          </p:spPr>
+          <p:style>
+            <a:lnRef idx="2">
+              <a:schemeClr val="accent1">
+                <a:shade val="15000"/>
+              </a:schemeClr>
+            </a:lnRef>
+            <a:fillRef idx="1">
+              <a:schemeClr val="accent1"/>
+            </a:fillRef>
+            <a:effectRef idx="0">
+              <a:schemeClr val="accent1"/>
+            </a:effectRef>
+            <a:fontRef idx="minor">
+              <a:schemeClr val="lt1"/>
+            </a:fontRef>
+          </p:style>
+          <p:txBody>
+            <a:bodyPr rtlCol="0" anchor="ctr"/>
+            <a:lstStyle/>
+            <a:p>
+              <a:pPr algn="ctr"/>
+              <a:endParaRPr lang="en-US"/>
+            </a:p>
+          </p:txBody>
+        </p:sp>
+        <p:sp>
+          <p:nvSpPr>
+            <p:cNvPr id="26" name="Rectangle 25">
+              <a:extLst>
+                <a:ext uri="{FF2B5EF4-FFF2-40B4-BE49-F238E27FC236}">
+                  <a16:creationId xmlns:a16="http://schemas.microsoft.com/office/drawing/2014/main" id="{24A2F5B0-9CF3-B23A-8A40-89636B924DD5}"/>
+                </a:ext>
+              </a:extLst>
+            </p:cNvPr>
+            <p:cNvSpPr/>
+            <p:nvPr/>
+          </p:nvSpPr>
+          <p:spPr>
+            <a:xfrm>
+              <a:off x="1671640" y="5220668"/>
+              <a:ext cx="46717" cy="47981"/>
+            </a:xfrm>
+            <a:prstGeom prst="rect">
+              <a:avLst/>
+            </a:prstGeom>
+            <a:noFill/>
+            <a:ln w="12700">
+              <a:solidFill>
+                <a:schemeClr val="tx1"/>
+              </a:solidFill>
+            </a:ln>
+          </p:spPr>
+          <p:style>
+            <a:lnRef idx="2">
+              <a:schemeClr val="accent1">
+                <a:shade val="15000"/>
+              </a:schemeClr>
+            </a:lnRef>
+            <a:fillRef idx="1">
+              <a:schemeClr val="accent1"/>
+            </a:fillRef>
+            <a:effectRef idx="0">
+              <a:schemeClr val="accent1"/>
+            </a:effectRef>
+            <a:fontRef idx="minor">
+              <a:schemeClr val="lt1"/>
+            </a:fontRef>
+          </p:style>
+          <p:txBody>
+            <a:bodyPr rtlCol="0" anchor="ctr"/>
+            <a:lstStyle/>
+            <a:p>
+              <a:pPr algn="ctr"/>
+              <a:endParaRPr lang="en-US"/>
+            </a:p>
+          </p:txBody>
+        </p:sp>
+        <p:sp>
+          <p:nvSpPr>
+            <p:cNvPr id="41" name="Rectangle 40">
+              <a:extLst>
+                <a:ext uri="{FF2B5EF4-FFF2-40B4-BE49-F238E27FC236}">
+                  <a16:creationId xmlns:a16="http://schemas.microsoft.com/office/drawing/2014/main" id="{596FAB02-071D-92EA-138C-49A1AFD2EFF7}"/>
+                </a:ext>
+              </a:extLst>
+            </p:cNvPr>
+            <p:cNvSpPr/>
+            <p:nvPr/>
+          </p:nvSpPr>
+          <p:spPr>
+            <a:xfrm>
+              <a:off x="1747840" y="5220668"/>
+              <a:ext cx="46717" cy="47981"/>
+            </a:xfrm>
+            <a:prstGeom prst="rect">
+              <a:avLst/>
+            </a:prstGeom>
+            <a:noFill/>
+            <a:ln w="12700">
+              <a:solidFill>
+                <a:schemeClr val="tx1"/>
+              </a:solidFill>
+            </a:ln>
+          </p:spPr>
+          <p:style>
+            <a:lnRef idx="2">
+              <a:schemeClr val="accent1">
+                <a:shade val="15000"/>
+              </a:schemeClr>
+            </a:lnRef>
+            <a:fillRef idx="1">
+              <a:schemeClr val="accent1"/>
+            </a:fillRef>
+            <a:effectRef idx="0">
+              <a:schemeClr val="accent1"/>
+            </a:effectRef>
+            <a:fontRef idx="minor">
+              <a:schemeClr val="lt1"/>
+            </a:fontRef>
+          </p:style>
+          <p:txBody>
+            <a:bodyPr rtlCol="0" anchor="ctr"/>
+            <a:lstStyle/>
+            <a:p>
+              <a:pPr algn="ctr"/>
+              <a:endParaRPr lang="en-US"/>
+            </a:p>
+          </p:txBody>
+        </p:sp>
+        <p:sp>
+          <p:nvSpPr>
+            <p:cNvPr id="42" name="Rectangle 41">
+              <a:extLst>
+                <a:ext uri="{FF2B5EF4-FFF2-40B4-BE49-F238E27FC236}">
+                  <a16:creationId xmlns:a16="http://schemas.microsoft.com/office/drawing/2014/main" id="{A249B652-ED16-FE34-B018-02CC259C6382}"/>
+                </a:ext>
+              </a:extLst>
+            </p:cNvPr>
+            <p:cNvSpPr/>
+            <p:nvPr/>
+          </p:nvSpPr>
+          <p:spPr>
+            <a:xfrm>
+              <a:off x="1824040" y="5220668"/>
+              <a:ext cx="46717" cy="47981"/>
+            </a:xfrm>
+            <a:prstGeom prst="rect">
+              <a:avLst/>
+            </a:prstGeom>
+            <a:noFill/>
+            <a:ln w="12700">
+              <a:solidFill>
+                <a:schemeClr val="tx1"/>
+              </a:solidFill>
+            </a:ln>
+          </p:spPr>
+          <p:style>
+            <a:lnRef idx="2">
+              <a:schemeClr val="accent1">
+                <a:shade val="15000"/>
+              </a:schemeClr>
+            </a:lnRef>
+            <a:fillRef idx="1">
+              <a:schemeClr val="accent1"/>
+            </a:fillRef>
+            <a:effectRef idx="0">
+              <a:schemeClr val="accent1"/>
+            </a:effectRef>
+            <a:fontRef idx="minor">
+              <a:schemeClr val="lt1"/>
+            </a:fontRef>
+          </p:style>
+          <p:txBody>
+            <a:bodyPr rtlCol="0" anchor="ctr"/>
+            <a:lstStyle/>
+            <a:p>
+              <a:pPr algn="ctr"/>
+              <a:endParaRPr lang="en-US"/>
+            </a:p>
+          </p:txBody>
+        </p:sp>
+        <p:sp>
+          <p:nvSpPr>
+            <p:cNvPr id="51" name="Rectangle 50">
+              <a:extLst>
+                <a:ext uri="{FF2B5EF4-FFF2-40B4-BE49-F238E27FC236}">
+                  <a16:creationId xmlns:a16="http://schemas.microsoft.com/office/drawing/2014/main" id="{9F4A129F-2B54-FC96-3A57-E5AA991E0AB3}"/>
+                </a:ext>
+              </a:extLst>
+            </p:cNvPr>
+            <p:cNvSpPr/>
+            <p:nvPr/>
+          </p:nvSpPr>
+          <p:spPr>
+            <a:xfrm>
+              <a:off x="1439865" y="5303218"/>
+              <a:ext cx="46717" cy="47981"/>
+            </a:xfrm>
+            <a:prstGeom prst="rect">
+              <a:avLst/>
+            </a:prstGeom>
+            <a:noFill/>
+            <a:ln w="12700">
+              <a:solidFill>
+                <a:schemeClr val="tx1"/>
+              </a:solidFill>
+            </a:ln>
+          </p:spPr>
+          <p:style>
+            <a:lnRef idx="2">
+              <a:schemeClr val="accent1">
+                <a:shade val="15000"/>
+              </a:schemeClr>
+            </a:lnRef>
+            <a:fillRef idx="1">
+              <a:schemeClr val="accent1"/>
+            </a:fillRef>
+            <a:effectRef idx="0">
+              <a:schemeClr val="accent1"/>
+            </a:effectRef>
+            <a:fontRef idx="minor">
+              <a:schemeClr val="lt1"/>
+            </a:fontRef>
+          </p:style>
+          <p:txBody>
+            <a:bodyPr rtlCol="0" anchor="ctr"/>
+            <a:lstStyle/>
+            <a:p>
+              <a:pPr algn="ctr"/>
+              <a:endParaRPr lang="en-US"/>
+            </a:p>
+          </p:txBody>
+        </p:sp>
+        <p:sp>
+          <p:nvSpPr>
+            <p:cNvPr id="55" name="Rectangle 54">
+              <a:extLst>
+                <a:ext uri="{FF2B5EF4-FFF2-40B4-BE49-F238E27FC236}">
+                  <a16:creationId xmlns:a16="http://schemas.microsoft.com/office/drawing/2014/main" id="{22BCAE5C-B974-8390-D5D4-9B01D0B3B1CF}"/>
+                </a:ext>
+              </a:extLst>
+            </p:cNvPr>
+            <p:cNvSpPr/>
+            <p:nvPr/>
+          </p:nvSpPr>
+          <p:spPr>
+            <a:xfrm>
+              <a:off x="1516065" y="5303218"/>
+              <a:ext cx="46717" cy="47981"/>
+            </a:xfrm>
+            <a:prstGeom prst="rect">
+              <a:avLst/>
+            </a:prstGeom>
+            <a:noFill/>
+            <a:ln w="12700">
+              <a:solidFill>
+                <a:schemeClr val="tx1"/>
+              </a:solidFill>
+            </a:ln>
+          </p:spPr>
+          <p:style>
+            <a:lnRef idx="2">
+              <a:schemeClr val="accent1">
+                <a:shade val="15000"/>
+              </a:schemeClr>
+            </a:lnRef>
+            <a:fillRef idx="1">
+              <a:schemeClr val="accent1"/>
+            </a:fillRef>
+            <a:effectRef idx="0">
+              <a:schemeClr val="accent1"/>
+            </a:effectRef>
+            <a:fontRef idx="minor">
+              <a:schemeClr val="lt1"/>
+            </a:fontRef>
+          </p:style>
+          <p:txBody>
+            <a:bodyPr rtlCol="0" anchor="ctr"/>
+            <a:lstStyle/>
+            <a:p>
+              <a:pPr algn="ctr"/>
+              <a:endParaRPr lang="en-US"/>
+            </a:p>
+          </p:txBody>
+        </p:sp>
+        <p:sp>
+          <p:nvSpPr>
+            <p:cNvPr id="56" name="Rectangle 55">
+              <a:extLst>
+                <a:ext uri="{FF2B5EF4-FFF2-40B4-BE49-F238E27FC236}">
+                  <a16:creationId xmlns:a16="http://schemas.microsoft.com/office/drawing/2014/main" id="{E6A9900F-0B3D-3C11-5A88-911D2802E23E}"/>
+                </a:ext>
+              </a:extLst>
+            </p:cNvPr>
+            <p:cNvSpPr/>
+            <p:nvPr/>
+          </p:nvSpPr>
+          <p:spPr>
+            <a:xfrm>
+              <a:off x="1595440" y="5303218"/>
+              <a:ext cx="46717" cy="47981"/>
+            </a:xfrm>
+            <a:prstGeom prst="rect">
+              <a:avLst/>
+            </a:prstGeom>
+            <a:noFill/>
+            <a:ln w="12700">
+              <a:solidFill>
+                <a:schemeClr val="tx1"/>
+              </a:solidFill>
+            </a:ln>
+          </p:spPr>
+          <p:style>
+            <a:lnRef idx="2">
+              <a:schemeClr val="accent1">
+                <a:shade val="15000"/>
+              </a:schemeClr>
+            </a:lnRef>
+            <a:fillRef idx="1">
+              <a:schemeClr val="accent1"/>
+            </a:fillRef>
+            <a:effectRef idx="0">
+              <a:schemeClr val="accent1"/>
+            </a:effectRef>
+            <a:fontRef idx="minor">
+              <a:schemeClr val="lt1"/>
+            </a:fontRef>
+          </p:style>
+          <p:txBody>
+            <a:bodyPr rtlCol="0" anchor="ctr"/>
+            <a:lstStyle/>
+            <a:p>
+              <a:pPr algn="ctr"/>
+              <a:endParaRPr lang="en-US"/>
+            </a:p>
+          </p:txBody>
+        </p:sp>
+        <p:sp>
+          <p:nvSpPr>
+            <p:cNvPr id="57" name="Rectangle 56">
+              <a:extLst>
+                <a:ext uri="{FF2B5EF4-FFF2-40B4-BE49-F238E27FC236}">
+                  <a16:creationId xmlns:a16="http://schemas.microsoft.com/office/drawing/2014/main" id="{9DA7244A-ECC0-D31F-068F-B868F0A81700}"/>
+                </a:ext>
+              </a:extLst>
+            </p:cNvPr>
+            <p:cNvSpPr/>
+            <p:nvPr/>
+          </p:nvSpPr>
+          <p:spPr>
+            <a:xfrm>
+              <a:off x="1671640" y="5303218"/>
+              <a:ext cx="46717" cy="47981"/>
+            </a:xfrm>
+            <a:prstGeom prst="rect">
+              <a:avLst/>
+            </a:prstGeom>
+            <a:noFill/>
+            <a:ln w="12700">
+              <a:solidFill>
+                <a:schemeClr val="tx1"/>
+              </a:solidFill>
+            </a:ln>
+          </p:spPr>
+          <p:style>
+            <a:lnRef idx="2">
+              <a:schemeClr val="accent1">
+                <a:shade val="15000"/>
+              </a:schemeClr>
+            </a:lnRef>
+            <a:fillRef idx="1">
+              <a:schemeClr val="accent1"/>
+            </a:fillRef>
+            <a:effectRef idx="0">
+              <a:schemeClr val="accent1"/>
+            </a:effectRef>
+            <a:fontRef idx="minor">
+              <a:schemeClr val="lt1"/>
+            </a:fontRef>
+          </p:style>
+          <p:txBody>
+            <a:bodyPr rtlCol="0" anchor="ctr"/>
+            <a:lstStyle/>
+            <a:p>
+              <a:pPr algn="ctr"/>
+              <a:endParaRPr lang="en-US"/>
+            </a:p>
+          </p:txBody>
+        </p:sp>
+        <p:sp>
+          <p:nvSpPr>
+            <p:cNvPr id="58" name="Rectangle 57">
+              <a:extLst>
+                <a:ext uri="{FF2B5EF4-FFF2-40B4-BE49-F238E27FC236}">
+                  <a16:creationId xmlns:a16="http://schemas.microsoft.com/office/drawing/2014/main" id="{41F7CF66-9A93-86AE-15B9-301E8A9B67F5}"/>
+                </a:ext>
+              </a:extLst>
+            </p:cNvPr>
+            <p:cNvSpPr/>
+            <p:nvPr/>
+          </p:nvSpPr>
+          <p:spPr>
+            <a:xfrm>
+              <a:off x="1747840" y="5303218"/>
+              <a:ext cx="46717" cy="47981"/>
+            </a:xfrm>
+            <a:prstGeom prst="rect">
+              <a:avLst/>
+            </a:prstGeom>
+            <a:noFill/>
+            <a:ln w="12700">
+              <a:solidFill>
+                <a:schemeClr val="tx1"/>
+              </a:solidFill>
+            </a:ln>
+          </p:spPr>
+          <p:style>
+            <a:lnRef idx="2">
+              <a:schemeClr val="accent1">
+                <a:shade val="15000"/>
+              </a:schemeClr>
+            </a:lnRef>
+            <a:fillRef idx="1">
+              <a:schemeClr val="accent1"/>
+            </a:fillRef>
+            <a:effectRef idx="0">
+              <a:schemeClr val="accent1"/>
+            </a:effectRef>
+            <a:fontRef idx="minor">
+              <a:schemeClr val="lt1"/>
+            </a:fontRef>
+          </p:style>
+          <p:txBody>
+            <a:bodyPr rtlCol="0" anchor="ctr"/>
+            <a:lstStyle/>
+            <a:p>
+              <a:pPr algn="ctr"/>
+              <a:endParaRPr lang="en-US"/>
+            </a:p>
+          </p:txBody>
+        </p:sp>
+        <p:sp>
+          <p:nvSpPr>
+            <p:cNvPr id="64" name="Rectangle 63">
+              <a:extLst>
+                <a:ext uri="{FF2B5EF4-FFF2-40B4-BE49-F238E27FC236}">
+                  <a16:creationId xmlns:a16="http://schemas.microsoft.com/office/drawing/2014/main" id="{CD147D06-0656-1FC1-6C11-48825BBD319E}"/>
+                </a:ext>
+              </a:extLst>
+            </p:cNvPr>
+            <p:cNvSpPr/>
+            <p:nvPr/>
+          </p:nvSpPr>
+          <p:spPr>
+            <a:xfrm>
+              <a:off x="1824040" y="5303218"/>
+              <a:ext cx="46717" cy="47981"/>
+            </a:xfrm>
+            <a:prstGeom prst="rect">
+              <a:avLst/>
+            </a:prstGeom>
+            <a:noFill/>
+            <a:ln w="12700">
+              <a:solidFill>
+                <a:schemeClr val="tx1"/>
+              </a:solidFill>
+            </a:ln>
+          </p:spPr>
+          <p:style>
+            <a:lnRef idx="2">
+              <a:schemeClr val="accent1">
+                <a:shade val="15000"/>
+              </a:schemeClr>
+            </a:lnRef>
+            <a:fillRef idx="1">
+              <a:schemeClr val="accent1"/>
+            </a:fillRef>
+            <a:effectRef idx="0">
+              <a:schemeClr val="accent1"/>
+            </a:effectRef>
+            <a:fontRef idx="minor">
+              <a:schemeClr val="lt1"/>
+            </a:fontRef>
+          </p:style>
+          <p:txBody>
+            <a:bodyPr rtlCol="0" anchor="ctr"/>
+            <a:lstStyle/>
+            <a:p>
+              <a:pPr algn="ctr"/>
+              <a:endParaRPr lang="en-US"/>
+            </a:p>
+          </p:txBody>
+        </p:sp>
+        <p:sp>
+          <p:nvSpPr>
+            <p:cNvPr id="67" name="Rectangle 66">
+              <a:extLst>
+                <a:ext uri="{FF2B5EF4-FFF2-40B4-BE49-F238E27FC236}">
+                  <a16:creationId xmlns:a16="http://schemas.microsoft.com/office/drawing/2014/main" id="{C18E7E4C-2FAB-3C82-0EED-D155D4EED87D}"/>
+                </a:ext>
+              </a:extLst>
+            </p:cNvPr>
+            <p:cNvSpPr/>
+            <p:nvPr/>
+          </p:nvSpPr>
+          <p:spPr>
+            <a:xfrm>
+              <a:off x="1439865" y="5382593"/>
+              <a:ext cx="46717" cy="47981"/>
+            </a:xfrm>
+            <a:prstGeom prst="rect">
+              <a:avLst/>
+            </a:prstGeom>
+            <a:noFill/>
+            <a:ln w="12700">
+              <a:solidFill>
+                <a:schemeClr val="tx1"/>
+              </a:solidFill>
+            </a:ln>
+          </p:spPr>
+          <p:style>
+            <a:lnRef idx="2">
+              <a:schemeClr val="accent1">
+                <a:shade val="15000"/>
+              </a:schemeClr>
+            </a:lnRef>
+            <a:fillRef idx="1">
+              <a:schemeClr val="accent1"/>
+            </a:fillRef>
+            <a:effectRef idx="0">
+              <a:schemeClr val="accent1"/>
+            </a:effectRef>
+            <a:fontRef idx="minor">
+              <a:schemeClr val="lt1"/>
+            </a:fontRef>
+          </p:style>
+          <p:txBody>
+            <a:bodyPr rtlCol="0" anchor="ctr"/>
+            <a:lstStyle/>
+            <a:p>
+              <a:pPr algn="ctr"/>
+              <a:endParaRPr lang="en-US"/>
+            </a:p>
+          </p:txBody>
+        </p:sp>
+        <p:sp>
+          <p:nvSpPr>
+            <p:cNvPr id="68" name="Rectangle 67">
+              <a:extLst>
+                <a:ext uri="{FF2B5EF4-FFF2-40B4-BE49-F238E27FC236}">
+                  <a16:creationId xmlns:a16="http://schemas.microsoft.com/office/drawing/2014/main" id="{49BB134F-617D-4CF0-025E-9D4FB3CE5C6D}"/>
+                </a:ext>
+              </a:extLst>
+            </p:cNvPr>
+            <p:cNvSpPr/>
+            <p:nvPr/>
+          </p:nvSpPr>
+          <p:spPr>
+            <a:xfrm>
+              <a:off x="1516065" y="5382593"/>
+              <a:ext cx="46717" cy="47981"/>
+            </a:xfrm>
+            <a:prstGeom prst="rect">
+              <a:avLst/>
+            </a:prstGeom>
+            <a:noFill/>
+            <a:ln w="12700">
+              <a:solidFill>
+                <a:schemeClr val="tx1"/>
+              </a:solidFill>
+            </a:ln>
+          </p:spPr>
+          <p:style>
+            <a:lnRef idx="2">
+              <a:schemeClr val="accent1">
+                <a:shade val="15000"/>
+              </a:schemeClr>
+            </a:lnRef>
+            <a:fillRef idx="1">
+              <a:schemeClr val="accent1"/>
+            </a:fillRef>
+            <a:effectRef idx="0">
+              <a:schemeClr val="accent1"/>
+            </a:effectRef>
+            <a:fontRef idx="minor">
+              <a:schemeClr val="lt1"/>
+            </a:fontRef>
+          </p:style>
+          <p:txBody>
+            <a:bodyPr rtlCol="0" anchor="ctr"/>
+            <a:lstStyle/>
+            <a:p>
+              <a:pPr algn="ctr"/>
+              <a:endParaRPr lang="en-US"/>
+            </a:p>
+          </p:txBody>
+        </p:sp>
+        <p:sp>
+          <p:nvSpPr>
+            <p:cNvPr id="69" name="Rectangle 68">
+              <a:extLst>
+                <a:ext uri="{FF2B5EF4-FFF2-40B4-BE49-F238E27FC236}">
+                  <a16:creationId xmlns:a16="http://schemas.microsoft.com/office/drawing/2014/main" id="{F2C60339-6D69-B89C-4CD5-ED8DC443A3E6}"/>
+                </a:ext>
+              </a:extLst>
+            </p:cNvPr>
+            <p:cNvSpPr/>
+            <p:nvPr/>
+          </p:nvSpPr>
+          <p:spPr>
+            <a:xfrm>
+              <a:off x="1595440" y="5382593"/>
+              <a:ext cx="46717" cy="47981"/>
+            </a:xfrm>
+            <a:prstGeom prst="rect">
+              <a:avLst/>
+            </a:prstGeom>
+            <a:noFill/>
+            <a:ln w="12700">
+              <a:solidFill>
+                <a:schemeClr val="tx1"/>
+              </a:solidFill>
+            </a:ln>
+          </p:spPr>
+          <p:style>
+            <a:lnRef idx="2">
+              <a:schemeClr val="accent1">
+                <a:shade val="15000"/>
+              </a:schemeClr>
+            </a:lnRef>
+            <a:fillRef idx="1">
+              <a:schemeClr val="accent1"/>
+            </a:fillRef>
+            <a:effectRef idx="0">
+              <a:schemeClr val="accent1"/>
+            </a:effectRef>
+            <a:fontRef idx="minor">
+              <a:schemeClr val="lt1"/>
+            </a:fontRef>
+          </p:style>
+          <p:txBody>
+            <a:bodyPr rtlCol="0" anchor="ctr"/>
+            <a:lstStyle/>
+            <a:p>
+              <a:pPr algn="ctr"/>
+              <a:endParaRPr lang="en-US"/>
+            </a:p>
+          </p:txBody>
+        </p:sp>
+        <p:sp>
+          <p:nvSpPr>
+            <p:cNvPr id="70" name="Rectangle 69">
+              <a:extLst>
+                <a:ext uri="{FF2B5EF4-FFF2-40B4-BE49-F238E27FC236}">
+                  <a16:creationId xmlns:a16="http://schemas.microsoft.com/office/drawing/2014/main" id="{16057D1A-1842-486B-76C8-47430FC34CA4}"/>
+                </a:ext>
+              </a:extLst>
+            </p:cNvPr>
+            <p:cNvSpPr/>
+            <p:nvPr/>
+          </p:nvSpPr>
+          <p:spPr>
+            <a:xfrm>
+              <a:off x="1671640" y="5382593"/>
+              <a:ext cx="46717" cy="47981"/>
+            </a:xfrm>
+            <a:prstGeom prst="rect">
+              <a:avLst/>
+            </a:prstGeom>
+            <a:noFill/>
+            <a:ln w="12700">
+              <a:solidFill>
+                <a:schemeClr val="tx1"/>
+              </a:solidFill>
+            </a:ln>
+          </p:spPr>
+          <p:style>
+            <a:lnRef idx="2">
+              <a:schemeClr val="accent1">
+                <a:shade val="15000"/>
+              </a:schemeClr>
+            </a:lnRef>
+            <a:fillRef idx="1">
+              <a:schemeClr val="accent1"/>
+            </a:fillRef>
+            <a:effectRef idx="0">
+              <a:schemeClr val="accent1"/>
+            </a:effectRef>
+            <a:fontRef idx="minor">
+              <a:schemeClr val="lt1"/>
+            </a:fontRef>
+          </p:style>
+          <p:txBody>
+            <a:bodyPr rtlCol="0" anchor="ctr"/>
+            <a:lstStyle/>
+            <a:p>
+              <a:pPr algn="ctr"/>
+              <a:endParaRPr lang="en-US"/>
+            </a:p>
+          </p:txBody>
+        </p:sp>
+        <p:sp>
+          <p:nvSpPr>
+            <p:cNvPr id="83" name="Rectangle 82">
+              <a:extLst>
+                <a:ext uri="{FF2B5EF4-FFF2-40B4-BE49-F238E27FC236}">
+                  <a16:creationId xmlns:a16="http://schemas.microsoft.com/office/drawing/2014/main" id="{D1DAE42A-4AD9-7991-D6ED-A12C26A44925}"/>
+                </a:ext>
+              </a:extLst>
+            </p:cNvPr>
+            <p:cNvSpPr/>
+            <p:nvPr/>
+          </p:nvSpPr>
+          <p:spPr>
+            <a:xfrm>
+              <a:off x="1747840" y="5382593"/>
+              <a:ext cx="46717" cy="47981"/>
+            </a:xfrm>
+            <a:prstGeom prst="rect">
+              <a:avLst/>
+            </a:prstGeom>
+            <a:noFill/>
+            <a:ln w="12700">
+              <a:solidFill>
+                <a:schemeClr val="tx1"/>
+              </a:solidFill>
+            </a:ln>
+          </p:spPr>
+          <p:style>
+            <a:lnRef idx="2">
+              <a:schemeClr val="accent1">
+                <a:shade val="15000"/>
+              </a:schemeClr>
+            </a:lnRef>
+            <a:fillRef idx="1">
+              <a:schemeClr val="accent1"/>
+            </a:fillRef>
+            <a:effectRef idx="0">
+              <a:schemeClr val="accent1"/>
+            </a:effectRef>
+            <a:fontRef idx="minor">
+              <a:schemeClr val="lt1"/>
+            </a:fontRef>
+          </p:style>
+          <p:txBody>
+            <a:bodyPr rtlCol="0" anchor="ctr"/>
+            <a:lstStyle/>
+            <a:p>
+              <a:pPr algn="ctr"/>
+              <a:endParaRPr lang="en-US"/>
+            </a:p>
+          </p:txBody>
+        </p:sp>
+        <p:sp>
+          <p:nvSpPr>
+            <p:cNvPr id="84" name="Rectangle 83">
+              <a:extLst>
+                <a:ext uri="{FF2B5EF4-FFF2-40B4-BE49-F238E27FC236}">
+                  <a16:creationId xmlns:a16="http://schemas.microsoft.com/office/drawing/2014/main" id="{8659A56B-8352-9A28-C315-23BEB67A5F9D}"/>
+                </a:ext>
+              </a:extLst>
+            </p:cNvPr>
+            <p:cNvSpPr/>
+            <p:nvPr/>
+          </p:nvSpPr>
+          <p:spPr>
+            <a:xfrm>
+              <a:off x="1824040" y="5382593"/>
+              <a:ext cx="46717" cy="47981"/>
+            </a:xfrm>
+            <a:prstGeom prst="rect">
+              <a:avLst/>
+            </a:prstGeom>
+            <a:noFill/>
+            <a:ln w="12700">
+              <a:solidFill>
+                <a:schemeClr val="tx1"/>
+              </a:solidFill>
+            </a:ln>
+          </p:spPr>
+          <p:style>
+            <a:lnRef idx="2">
+              <a:schemeClr val="accent1">
+                <a:shade val="15000"/>
+              </a:schemeClr>
+            </a:lnRef>
+            <a:fillRef idx="1">
+              <a:schemeClr val="accent1"/>
+            </a:fillRef>
+            <a:effectRef idx="0">
+              <a:schemeClr val="accent1"/>
+            </a:effectRef>
+            <a:fontRef idx="minor">
+              <a:schemeClr val="lt1"/>
+            </a:fontRef>
+          </p:style>
+          <p:txBody>
+            <a:bodyPr rtlCol="0" anchor="ctr"/>
+            <a:lstStyle/>
+            <a:p>
+              <a:pPr algn="ctr"/>
+              <a:endParaRPr lang="en-US"/>
+            </a:p>
+          </p:txBody>
+        </p:sp>
+        <p:sp>
+          <p:nvSpPr>
+            <p:cNvPr id="88" name="Rectangle 87">
+              <a:extLst>
+                <a:ext uri="{FF2B5EF4-FFF2-40B4-BE49-F238E27FC236}">
+                  <a16:creationId xmlns:a16="http://schemas.microsoft.com/office/drawing/2014/main" id="{D66B4FDB-A08E-53E9-C6B6-82741E3481D6}"/>
+                </a:ext>
+              </a:extLst>
+            </p:cNvPr>
+            <p:cNvSpPr/>
+            <p:nvPr/>
+          </p:nvSpPr>
+          <p:spPr>
+            <a:xfrm>
+              <a:off x="1439865" y="5465143"/>
+              <a:ext cx="46717" cy="47981"/>
+            </a:xfrm>
+            <a:prstGeom prst="rect">
+              <a:avLst/>
+            </a:prstGeom>
+            <a:noFill/>
+            <a:ln w="12700">
+              <a:solidFill>
+                <a:schemeClr val="tx1"/>
+              </a:solidFill>
+            </a:ln>
+          </p:spPr>
+          <p:style>
+            <a:lnRef idx="2">
+              <a:schemeClr val="accent1">
+                <a:shade val="15000"/>
+              </a:schemeClr>
+            </a:lnRef>
+            <a:fillRef idx="1">
+              <a:schemeClr val="accent1"/>
+            </a:fillRef>
+            <a:effectRef idx="0">
+              <a:schemeClr val="accent1"/>
+            </a:effectRef>
+            <a:fontRef idx="minor">
+              <a:schemeClr val="lt1"/>
+            </a:fontRef>
+          </p:style>
+          <p:txBody>
+            <a:bodyPr rtlCol="0" anchor="ctr"/>
+            <a:lstStyle/>
+            <a:p>
+              <a:pPr algn="ctr"/>
+              <a:endParaRPr lang="en-US"/>
+            </a:p>
+          </p:txBody>
+        </p:sp>
+        <p:sp>
+          <p:nvSpPr>
+            <p:cNvPr id="89" name="Rectangle 88">
+              <a:extLst>
+                <a:ext uri="{FF2B5EF4-FFF2-40B4-BE49-F238E27FC236}">
+                  <a16:creationId xmlns:a16="http://schemas.microsoft.com/office/drawing/2014/main" id="{5C6C9062-C4ED-FB66-50ED-5BDC942ED444}"/>
+                </a:ext>
+              </a:extLst>
+            </p:cNvPr>
+            <p:cNvSpPr/>
+            <p:nvPr/>
+          </p:nvSpPr>
+          <p:spPr>
+            <a:xfrm>
+              <a:off x="1516065" y="5465143"/>
+              <a:ext cx="46717" cy="47981"/>
+            </a:xfrm>
+            <a:prstGeom prst="rect">
+              <a:avLst/>
+            </a:prstGeom>
+            <a:noFill/>
+            <a:ln w="12700">
+              <a:solidFill>
+                <a:schemeClr val="tx1"/>
+              </a:solidFill>
+            </a:ln>
+          </p:spPr>
+          <p:style>
+            <a:lnRef idx="2">
+              <a:schemeClr val="accent1">
+                <a:shade val="15000"/>
+              </a:schemeClr>
+            </a:lnRef>
+            <a:fillRef idx="1">
+              <a:schemeClr val="accent1"/>
+            </a:fillRef>
+            <a:effectRef idx="0">
+              <a:schemeClr val="accent1"/>
+            </a:effectRef>
+            <a:fontRef idx="minor">
+              <a:schemeClr val="lt1"/>
+            </a:fontRef>
+          </p:style>
+          <p:txBody>
+            <a:bodyPr rtlCol="0" anchor="ctr"/>
+            <a:lstStyle/>
+            <a:p>
+              <a:pPr algn="ctr"/>
+              <a:endParaRPr lang="en-US"/>
+            </a:p>
+          </p:txBody>
+        </p:sp>
+        <p:sp>
+          <p:nvSpPr>
+            <p:cNvPr id="90" name="Rectangle 89">
+              <a:extLst>
+                <a:ext uri="{FF2B5EF4-FFF2-40B4-BE49-F238E27FC236}">
+                  <a16:creationId xmlns:a16="http://schemas.microsoft.com/office/drawing/2014/main" id="{894820BD-1804-306C-851B-3D7301965A81}"/>
+                </a:ext>
+              </a:extLst>
+            </p:cNvPr>
+            <p:cNvSpPr/>
+            <p:nvPr/>
+          </p:nvSpPr>
+          <p:spPr>
+            <a:xfrm>
+              <a:off x="1595440" y="5465143"/>
+              <a:ext cx="46717" cy="47981"/>
+            </a:xfrm>
+            <a:prstGeom prst="rect">
+              <a:avLst/>
+            </a:prstGeom>
+            <a:noFill/>
+            <a:ln w="12700">
+              <a:solidFill>
+                <a:schemeClr val="tx1"/>
+              </a:solidFill>
+            </a:ln>
+          </p:spPr>
+          <p:style>
+            <a:lnRef idx="2">
+              <a:schemeClr val="accent1">
+                <a:shade val="15000"/>
+              </a:schemeClr>
+            </a:lnRef>
+            <a:fillRef idx="1">
+              <a:schemeClr val="accent1"/>
+            </a:fillRef>
+            <a:effectRef idx="0">
+              <a:schemeClr val="accent1"/>
+            </a:effectRef>
+            <a:fontRef idx="minor">
+              <a:schemeClr val="lt1"/>
+            </a:fontRef>
+          </p:style>
+          <p:txBody>
+            <a:bodyPr rtlCol="0" anchor="ctr"/>
+            <a:lstStyle/>
+            <a:p>
+              <a:pPr algn="ctr"/>
+              <a:endParaRPr lang="en-US"/>
+            </a:p>
+          </p:txBody>
+        </p:sp>
+        <p:sp>
+          <p:nvSpPr>
+            <p:cNvPr id="91" name="Rectangle 90">
+              <a:extLst>
+                <a:ext uri="{FF2B5EF4-FFF2-40B4-BE49-F238E27FC236}">
+                  <a16:creationId xmlns:a16="http://schemas.microsoft.com/office/drawing/2014/main" id="{ABBDB93D-DB98-4046-F6EF-AA2EEC065733}"/>
+                </a:ext>
+              </a:extLst>
+            </p:cNvPr>
+            <p:cNvSpPr/>
+            <p:nvPr/>
+          </p:nvSpPr>
+          <p:spPr>
+            <a:xfrm>
+              <a:off x="1671640" y="5465143"/>
+              <a:ext cx="46717" cy="47981"/>
+            </a:xfrm>
+            <a:prstGeom prst="rect">
+              <a:avLst/>
+            </a:prstGeom>
+            <a:noFill/>
+            <a:ln w="12700">
+              <a:solidFill>
+                <a:schemeClr val="tx1"/>
+              </a:solidFill>
+            </a:ln>
+          </p:spPr>
+          <p:style>
+            <a:lnRef idx="2">
+              <a:schemeClr val="accent1">
+                <a:shade val="15000"/>
+              </a:schemeClr>
+            </a:lnRef>
+            <a:fillRef idx="1">
+              <a:schemeClr val="accent1"/>
+            </a:fillRef>
+            <a:effectRef idx="0">
+              <a:schemeClr val="accent1"/>
+            </a:effectRef>
+            <a:fontRef idx="minor">
+              <a:schemeClr val="lt1"/>
+            </a:fontRef>
+          </p:style>
+          <p:txBody>
+            <a:bodyPr rtlCol="0" anchor="ctr"/>
+            <a:lstStyle/>
+            <a:p>
+              <a:pPr algn="ctr"/>
+              <a:endParaRPr lang="en-US"/>
+            </a:p>
+          </p:txBody>
+        </p:sp>
+        <p:sp>
+          <p:nvSpPr>
+            <p:cNvPr id="93" name="Rectangle 92">
+              <a:extLst>
+                <a:ext uri="{FF2B5EF4-FFF2-40B4-BE49-F238E27FC236}">
+                  <a16:creationId xmlns:a16="http://schemas.microsoft.com/office/drawing/2014/main" id="{154E349E-0B56-D3C6-15F0-1D9BAA4A6993}"/>
+                </a:ext>
+              </a:extLst>
+            </p:cNvPr>
+            <p:cNvSpPr/>
+            <p:nvPr/>
+          </p:nvSpPr>
+          <p:spPr>
+            <a:xfrm>
+              <a:off x="1747840" y="5465143"/>
+              <a:ext cx="46717" cy="47981"/>
+            </a:xfrm>
+            <a:prstGeom prst="rect">
+              <a:avLst/>
+            </a:prstGeom>
+            <a:noFill/>
+            <a:ln w="12700">
+              <a:solidFill>
+                <a:schemeClr val="tx1"/>
+              </a:solidFill>
+            </a:ln>
+          </p:spPr>
+          <p:style>
+            <a:lnRef idx="2">
+              <a:schemeClr val="accent1">
+                <a:shade val="15000"/>
+              </a:schemeClr>
+            </a:lnRef>
+            <a:fillRef idx="1">
+              <a:schemeClr val="accent1"/>
+            </a:fillRef>
+            <a:effectRef idx="0">
+              <a:schemeClr val="accent1"/>
+            </a:effectRef>
+            <a:fontRef idx="minor">
+              <a:schemeClr val="lt1"/>
+            </a:fontRef>
+          </p:style>
+          <p:txBody>
+            <a:bodyPr rtlCol="0" anchor="ctr"/>
+            <a:lstStyle/>
+            <a:p>
+              <a:pPr algn="ctr"/>
+              <a:endParaRPr lang="en-US"/>
+            </a:p>
+          </p:txBody>
+        </p:sp>
+        <p:sp>
+          <p:nvSpPr>
+            <p:cNvPr id="94" name="Rectangle 93">
+              <a:extLst>
+                <a:ext uri="{FF2B5EF4-FFF2-40B4-BE49-F238E27FC236}">
+                  <a16:creationId xmlns:a16="http://schemas.microsoft.com/office/drawing/2014/main" id="{34F5D344-8177-B7E4-380A-AACD40D3A87C}"/>
+                </a:ext>
+              </a:extLst>
+            </p:cNvPr>
+            <p:cNvSpPr/>
+            <p:nvPr/>
+          </p:nvSpPr>
+          <p:spPr>
+            <a:xfrm>
+              <a:off x="1824040" y="5465143"/>
+              <a:ext cx="46717" cy="47981"/>
+            </a:xfrm>
+            <a:prstGeom prst="rect">
+              <a:avLst/>
+            </a:prstGeom>
+            <a:noFill/>
+            <a:ln w="12700">
+              <a:solidFill>
+                <a:schemeClr val="tx1"/>
+              </a:solidFill>
+            </a:ln>
+          </p:spPr>
+          <p:style>
+            <a:lnRef idx="2">
+              <a:schemeClr val="accent1">
+                <a:shade val="15000"/>
+              </a:schemeClr>
+            </a:lnRef>
+            <a:fillRef idx="1">
+              <a:schemeClr val="accent1"/>
+            </a:fillRef>
+            <a:effectRef idx="0">
+              <a:schemeClr val="accent1"/>
+            </a:effectRef>
+            <a:fontRef idx="minor">
+              <a:schemeClr val="lt1"/>
+            </a:fontRef>
+          </p:style>
+          <p:txBody>
+            <a:bodyPr rtlCol="0" anchor="ctr"/>
+            <a:lstStyle/>
+            <a:p>
+              <a:pPr algn="ctr"/>
+              <a:endParaRPr lang="en-US"/>
+            </a:p>
+          </p:txBody>
+        </p:sp>
+        <p:sp>
+          <p:nvSpPr>
+            <p:cNvPr id="97" name="Rectangle 96">
+              <a:extLst>
+                <a:ext uri="{FF2B5EF4-FFF2-40B4-BE49-F238E27FC236}">
+                  <a16:creationId xmlns:a16="http://schemas.microsoft.com/office/drawing/2014/main" id="{744D0C04-9930-FB8F-3CF5-D2E6DB3F34F3}"/>
+                </a:ext>
+              </a:extLst>
+            </p:cNvPr>
+            <p:cNvSpPr/>
+            <p:nvPr/>
+          </p:nvSpPr>
+          <p:spPr>
+            <a:xfrm>
+              <a:off x="1439865" y="5550868"/>
+              <a:ext cx="46717" cy="47981"/>
+            </a:xfrm>
+            <a:prstGeom prst="rect">
+              <a:avLst/>
+            </a:prstGeom>
+            <a:noFill/>
+            <a:ln w="12700">
+              <a:solidFill>
+                <a:schemeClr val="tx1"/>
+              </a:solidFill>
+            </a:ln>
+          </p:spPr>
+          <p:style>
+            <a:lnRef idx="2">
+              <a:schemeClr val="accent1">
+                <a:shade val="15000"/>
+              </a:schemeClr>
+            </a:lnRef>
+            <a:fillRef idx="1">
+              <a:schemeClr val="accent1"/>
+            </a:fillRef>
+            <a:effectRef idx="0">
+              <a:schemeClr val="accent1"/>
+            </a:effectRef>
+            <a:fontRef idx="minor">
+              <a:schemeClr val="lt1"/>
+            </a:fontRef>
+          </p:style>
+          <p:txBody>
+            <a:bodyPr rtlCol="0" anchor="ctr"/>
+            <a:lstStyle/>
+            <a:p>
+              <a:pPr algn="ctr"/>
+              <a:endParaRPr lang="en-US"/>
+            </a:p>
+          </p:txBody>
+        </p:sp>
+        <p:sp>
+          <p:nvSpPr>
+            <p:cNvPr id="99" name="Rectangle 98">
+              <a:extLst>
+                <a:ext uri="{FF2B5EF4-FFF2-40B4-BE49-F238E27FC236}">
+                  <a16:creationId xmlns:a16="http://schemas.microsoft.com/office/drawing/2014/main" id="{A88D4A5A-5A68-F476-05F2-02479985C835}"/>
+                </a:ext>
+              </a:extLst>
+            </p:cNvPr>
+            <p:cNvSpPr/>
+            <p:nvPr/>
+          </p:nvSpPr>
+          <p:spPr>
+            <a:xfrm>
+              <a:off x="1516065" y="5550868"/>
+              <a:ext cx="46717" cy="47981"/>
+            </a:xfrm>
+            <a:prstGeom prst="rect">
+              <a:avLst/>
+            </a:prstGeom>
+            <a:noFill/>
+            <a:ln w="12700">
+              <a:solidFill>
+                <a:schemeClr val="tx1"/>
+              </a:solidFill>
+            </a:ln>
+          </p:spPr>
+          <p:style>
+            <a:lnRef idx="2">
+              <a:schemeClr val="accent1">
+                <a:shade val="15000"/>
+              </a:schemeClr>
+            </a:lnRef>
+            <a:fillRef idx="1">
+              <a:schemeClr val="accent1"/>
+            </a:fillRef>
+            <a:effectRef idx="0">
+              <a:schemeClr val="accent1"/>
+            </a:effectRef>
+            <a:fontRef idx="minor">
+              <a:schemeClr val="lt1"/>
+            </a:fontRef>
+          </p:style>
+          <p:txBody>
+            <a:bodyPr rtlCol="0" anchor="ctr"/>
+            <a:lstStyle/>
+            <a:p>
+              <a:pPr algn="ctr"/>
+              <a:endParaRPr lang="en-US"/>
+            </a:p>
+          </p:txBody>
+        </p:sp>
+        <p:sp>
+          <p:nvSpPr>
+            <p:cNvPr id="100" name="Rectangle 99">
+              <a:extLst>
+                <a:ext uri="{FF2B5EF4-FFF2-40B4-BE49-F238E27FC236}">
+                  <a16:creationId xmlns:a16="http://schemas.microsoft.com/office/drawing/2014/main" id="{9F5724B7-A98A-5431-6DBF-6822E483D87A}"/>
+                </a:ext>
+              </a:extLst>
+            </p:cNvPr>
+            <p:cNvSpPr/>
+            <p:nvPr/>
+          </p:nvSpPr>
+          <p:spPr>
+            <a:xfrm>
+              <a:off x="1595440" y="5550868"/>
+              <a:ext cx="46717" cy="47981"/>
+            </a:xfrm>
+            <a:prstGeom prst="rect">
+              <a:avLst/>
+            </a:prstGeom>
+            <a:noFill/>
+            <a:ln w="12700">
+              <a:solidFill>
+                <a:schemeClr val="tx1"/>
+              </a:solidFill>
+            </a:ln>
+          </p:spPr>
+          <p:style>
+            <a:lnRef idx="2">
+              <a:schemeClr val="accent1">
+                <a:shade val="15000"/>
+              </a:schemeClr>
+            </a:lnRef>
+            <a:fillRef idx="1">
+              <a:schemeClr val="accent1"/>
+            </a:fillRef>
+            <a:effectRef idx="0">
+              <a:schemeClr val="accent1"/>
+            </a:effectRef>
+            <a:fontRef idx="minor">
+              <a:schemeClr val="lt1"/>
+            </a:fontRef>
+          </p:style>
+          <p:txBody>
+            <a:bodyPr rtlCol="0" anchor="ctr"/>
+            <a:lstStyle/>
+            <a:p>
+              <a:pPr algn="ctr"/>
+              <a:endParaRPr lang="en-US"/>
+            </a:p>
+          </p:txBody>
+        </p:sp>
+        <p:sp>
+          <p:nvSpPr>
+            <p:cNvPr id="102" name="Rectangle 101">
+              <a:extLst>
+                <a:ext uri="{FF2B5EF4-FFF2-40B4-BE49-F238E27FC236}">
+                  <a16:creationId xmlns:a16="http://schemas.microsoft.com/office/drawing/2014/main" id="{401A20B5-4D29-5C43-1F73-5D5A5CE46B69}"/>
+                </a:ext>
+              </a:extLst>
+            </p:cNvPr>
+            <p:cNvSpPr/>
+            <p:nvPr/>
+          </p:nvSpPr>
+          <p:spPr>
+            <a:xfrm>
+              <a:off x="1671640" y="5550868"/>
+              <a:ext cx="46717" cy="47981"/>
+            </a:xfrm>
+            <a:prstGeom prst="rect">
+              <a:avLst/>
+            </a:prstGeom>
+            <a:noFill/>
+            <a:ln w="12700">
+              <a:solidFill>
+                <a:schemeClr val="tx1"/>
+              </a:solidFill>
+            </a:ln>
+          </p:spPr>
+          <p:style>
+            <a:lnRef idx="2">
+              <a:schemeClr val="accent1">
+                <a:shade val="15000"/>
+              </a:schemeClr>
+            </a:lnRef>
+            <a:fillRef idx="1">
+              <a:schemeClr val="accent1"/>
+            </a:fillRef>
+            <a:effectRef idx="0">
+              <a:schemeClr val="accent1"/>
+            </a:effectRef>
+            <a:fontRef idx="minor">
+              <a:schemeClr val="lt1"/>
+            </a:fontRef>
+          </p:style>
+          <p:txBody>
+            <a:bodyPr rtlCol="0" anchor="ctr"/>
+            <a:lstStyle/>
+            <a:p>
+              <a:pPr algn="ctr"/>
+              <a:endParaRPr lang="en-US"/>
+            </a:p>
+          </p:txBody>
+        </p:sp>
+        <p:sp>
+          <p:nvSpPr>
+            <p:cNvPr id="104" name="Rectangle 103">
+              <a:extLst>
+                <a:ext uri="{FF2B5EF4-FFF2-40B4-BE49-F238E27FC236}">
+                  <a16:creationId xmlns:a16="http://schemas.microsoft.com/office/drawing/2014/main" id="{34DF0FCB-4FA3-F53E-66B8-58CD1245BE31}"/>
+                </a:ext>
+              </a:extLst>
+            </p:cNvPr>
+            <p:cNvSpPr/>
+            <p:nvPr/>
+          </p:nvSpPr>
+          <p:spPr>
+            <a:xfrm>
+              <a:off x="1747840" y="5550868"/>
+              <a:ext cx="46717" cy="47981"/>
+            </a:xfrm>
+            <a:prstGeom prst="rect">
+              <a:avLst/>
+            </a:prstGeom>
+            <a:noFill/>
+            <a:ln w="12700">
+              <a:solidFill>
+                <a:schemeClr val="tx1"/>
+              </a:solidFill>
+            </a:ln>
+          </p:spPr>
+          <p:style>
+            <a:lnRef idx="2">
+              <a:schemeClr val="accent1">
+                <a:shade val="15000"/>
+              </a:schemeClr>
+            </a:lnRef>
+            <a:fillRef idx="1">
+              <a:schemeClr val="accent1"/>
+            </a:fillRef>
+            <a:effectRef idx="0">
+              <a:schemeClr val="accent1"/>
+            </a:effectRef>
+            <a:fontRef idx="minor">
+              <a:schemeClr val="lt1"/>
+            </a:fontRef>
+          </p:style>
+          <p:txBody>
+            <a:bodyPr rtlCol="0" anchor="ctr"/>
+            <a:lstStyle/>
+            <a:p>
+              <a:pPr algn="ctr"/>
+              <a:endParaRPr lang="en-US"/>
+            </a:p>
+          </p:txBody>
+        </p:sp>
+        <p:sp>
+          <p:nvSpPr>
+            <p:cNvPr id="109" name="Rectangle 108">
+              <a:extLst>
+                <a:ext uri="{FF2B5EF4-FFF2-40B4-BE49-F238E27FC236}">
+                  <a16:creationId xmlns:a16="http://schemas.microsoft.com/office/drawing/2014/main" id="{D5AF2960-64C7-9297-B943-63D85A3977F0}"/>
+                </a:ext>
+              </a:extLst>
+            </p:cNvPr>
+            <p:cNvSpPr/>
+            <p:nvPr/>
+          </p:nvSpPr>
+          <p:spPr>
+            <a:xfrm>
+              <a:off x="1824040" y="5550868"/>
+              <a:ext cx="46717" cy="47981"/>
+            </a:xfrm>
+            <a:prstGeom prst="rect">
+              <a:avLst/>
+            </a:prstGeom>
+            <a:noFill/>
+            <a:ln w="12700">
+              <a:solidFill>
+                <a:schemeClr val="tx1"/>
+              </a:solidFill>
+            </a:ln>
+          </p:spPr>
+          <p:style>
+            <a:lnRef idx="2">
+              <a:schemeClr val="accent1">
+                <a:shade val="15000"/>
+              </a:schemeClr>
+            </a:lnRef>
+            <a:fillRef idx="1">
+              <a:schemeClr val="accent1"/>
+            </a:fillRef>
+            <a:effectRef idx="0">
+              <a:schemeClr val="accent1"/>
+            </a:effectRef>
+            <a:fontRef idx="minor">
+              <a:schemeClr val="lt1"/>
+            </a:fontRef>
+          </p:style>
+          <p:txBody>
+            <a:bodyPr rtlCol="0" anchor="ctr"/>
+            <a:lstStyle/>
+            <a:p>
+              <a:pPr algn="ctr"/>
+              <a:endParaRPr lang="en-US"/>
+            </a:p>
+          </p:txBody>
+        </p:sp>
+      </p:grpSp>
+      <p:sp>
+        <p:nvSpPr>
+          <p:cNvPr id="114" name="Rectangle 113">
+            <a:extLst>
+              <a:ext uri="{FF2B5EF4-FFF2-40B4-BE49-F238E27FC236}">
+                <a16:creationId xmlns:a16="http://schemas.microsoft.com/office/drawing/2014/main" id="{761DCD83-851D-525E-1E77-999EBBAF26E5}"/>
               </a:ext>
             </a:extLst>
           </p:cNvPr>
@@ -5446,7 +7086,7 @@
         </p:nvSpPr>
         <p:spPr>
           <a:xfrm>
-            <a:off x="6626942" y="2528735"/>
+            <a:off x="2248558" y="1164771"/>
             <a:ext cx="598714" cy="598714"/>
           </a:xfrm>
           <a:prstGeom prst="rect">
@@ -5482,10 +7122,10 @@
       </p:sp>
       <p:sp>
         <p:nvSpPr>
-          <p:cNvPr id="72" name="Rectangle 71">
-            <a:extLst>
-              <a:ext uri="{FF2B5EF4-FFF2-40B4-BE49-F238E27FC236}">
-                <a16:creationId xmlns:a16="http://schemas.microsoft.com/office/drawing/2014/main" id="{A2A39C7A-A46C-9BF6-24A9-C31ED1C969B1}"/>
+          <p:cNvPr id="115" name="Rectangle 114">
+            <a:extLst>
+              <a:ext uri="{FF2B5EF4-FFF2-40B4-BE49-F238E27FC236}">
+                <a16:creationId xmlns:a16="http://schemas.microsoft.com/office/drawing/2014/main" id="{2232FFC3-8695-E56E-8933-F1D46C21FC00}"/>
               </a:ext>
             </a:extLst>
           </p:cNvPr>
@@ -5494,103 +7134,7 @@
         </p:nvSpPr>
         <p:spPr>
           <a:xfrm>
-            <a:off x="6624764" y="2528735"/>
-            <a:ext cx="598714" cy="299357"/>
-          </a:xfrm>
-          <a:prstGeom prst="rect">
-            <a:avLst/>
-          </a:prstGeom>
-          <a:noFill/>
-          <a:ln w="38100"/>
-        </p:spPr>
-        <p:style>
-          <a:lnRef idx="2">
-            <a:schemeClr val="accent1">
-              <a:shade val="15000"/>
-            </a:schemeClr>
-          </a:lnRef>
-          <a:fillRef idx="1">
-            <a:schemeClr val="accent1"/>
-          </a:fillRef>
-          <a:effectRef idx="0">
-            <a:schemeClr val="accent1"/>
-          </a:effectRef>
-          <a:fontRef idx="minor">
-            <a:schemeClr val="lt1"/>
-          </a:fontRef>
-        </p:style>
-        <p:txBody>
-          <a:bodyPr rtlCol="0" anchor="ctr"/>
-          <a:lstStyle/>
-          <a:p>
-            <a:pPr algn="ctr"/>
-            <a:endParaRPr lang="en-US"/>
-          </a:p>
-        </p:txBody>
-      </p:sp>
-      <p:sp>
-        <p:nvSpPr>
-          <p:cNvPr id="73" name="Rectangle 72">
-            <a:extLst>
-              <a:ext uri="{FF2B5EF4-FFF2-40B4-BE49-F238E27FC236}">
-                <a16:creationId xmlns:a16="http://schemas.microsoft.com/office/drawing/2014/main" id="{39A609D5-DB57-B8C8-5B08-213D4205D2E0}"/>
-              </a:ext>
-            </a:extLst>
-          </p:cNvPr>
-          <p:cNvSpPr/>
-          <p:nvPr/>
-        </p:nvSpPr>
-        <p:spPr>
-          <a:xfrm>
-            <a:off x="6624764" y="2681135"/>
-            <a:ext cx="598714" cy="299357"/>
-          </a:xfrm>
-          <a:prstGeom prst="rect">
-            <a:avLst/>
-          </a:prstGeom>
-          <a:noFill/>
-          <a:ln w="38100"/>
-        </p:spPr>
-        <p:style>
-          <a:lnRef idx="2">
-            <a:schemeClr val="accent1">
-              <a:shade val="15000"/>
-            </a:schemeClr>
-          </a:lnRef>
-          <a:fillRef idx="1">
-            <a:schemeClr val="accent1"/>
-          </a:fillRef>
-          <a:effectRef idx="0">
-            <a:schemeClr val="accent1"/>
-          </a:effectRef>
-          <a:fontRef idx="minor">
-            <a:schemeClr val="lt1"/>
-          </a:fontRef>
-        </p:style>
-        <p:txBody>
-          <a:bodyPr rtlCol="0" anchor="ctr"/>
-          <a:lstStyle/>
-          <a:p>
-            <a:pPr algn="ctr"/>
-            <a:endParaRPr lang="en-US"/>
-          </a:p>
-        </p:txBody>
-      </p:sp>
-      <p:sp>
-        <p:nvSpPr>
-          <p:cNvPr id="74" name="Rectangle 73">
-            <a:extLst>
-              <a:ext uri="{FF2B5EF4-FFF2-40B4-BE49-F238E27FC236}">
-                <a16:creationId xmlns:a16="http://schemas.microsoft.com/office/drawing/2014/main" id="{F5F1BA29-BBE3-913B-6C9D-091157C29602}"/>
-              </a:ext>
-            </a:extLst>
-          </p:cNvPr>
-          <p:cNvSpPr/>
-          <p:nvPr/>
-        </p:nvSpPr>
-        <p:spPr>
-          <a:xfrm>
-            <a:off x="6626942" y="3374310"/>
+            <a:off x="3551939" y="1164771"/>
             <a:ext cx="598714" cy="598714"/>
           </a:xfrm>
           <a:prstGeom prst="rect">
@@ -5624,378 +7168,33 @@
           </a:p>
         </p:txBody>
       </p:sp>
-      <p:sp>
-        <p:nvSpPr>
-          <p:cNvPr id="75" name="Rectangle 74">
-            <a:extLst>
-              <a:ext uri="{FF2B5EF4-FFF2-40B4-BE49-F238E27FC236}">
-                <a16:creationId xmlns:a16="http://schemas.microsoft.com/office/drawing/2014/main" id="{85326DEA-8EE0-6F6C-0DA2-C475E9C76F03}"/>
-              </a:ext>
-            </a:extLst>
-          </p:cNvPr>
-          <p:cNvSpPr/>
-          <p:nvPr/>
-        </p:nvSpPr>
-        <p:spPr>
-          <a:xfrm>
-            <a:off x="6624764" y="3374310"/>
-            <a:ext cx="598714" cy="299357"/>
-          </a:xfrm>
-          <a:prstGeom prst="rect">
-            <a:avLst/>
-          </a:prstGeom>
-          <a:noFill/>
-          <a:ln w="38100"/>
-        </p:spPr>
-        <p:style>
-          <a:lnRef idx="2">
-            <a:schemeClr val="accent1">
-              <a:shade val="15000"/>
-            </a:schemeClr>
-          </a:lnRef>
-          <a:fillRef idx="1">
-            <a:schemeClr val="accent1"/>
-          </a:fillRef>
-          <a:effectRef idx="0">
-            <a:schemeClr val="accent1"/>
-          </a:effectRef>
-          <a:fontRef idx="minor">
-            <a:schemeClr val="lt1"/>
-          </a:fontRef>
-        </p:style>
-        <p:txBody>
-          <a:bodyPr rtlCol="0" anchor="ctr"/>
-          <a:lstStyle/>
-          <a:p>
-            <a:pPr algn="ctr"/>
-            <a:endParaRPr lang="en-US"/>
-          </a:p>
-        </p:txBody>
-      </p:sp>
-      <p:sp>
-        <p:nvSpPr>
-          <p:cNvPr id="76" name="Rectangle 75">
-            <a:extLst>
-              <a:ext uri="{FF2B5EF4-FFF2-40B4-BE49-F238E27FC236}">
-                <a16:creationId xmlns:a16="http://schemas.microsoft.com/office/drawing/2014/main" id="{577F4FC7-60FC-D768-2959-B6DF01A8F2E6}"/>
-              </a:ext>
-            </a:extLst>
-          </p:cNvPr>
-          <p:cNvSpPr/>
-          <p:nvPr/>
-        </p:nvSpPr>
-        <p:spPr>
-          <a:xfrm>
-            <a:off x="6624764" y="3526710"/>
-            <a:ext cx="598714" cy="299357"/>
-          </a:xfrm>
-          <a:prstGeom prst="rect">
-            <a:avLst/>
-          </a:prstGeom>
-          <a:noFill/>
-          <a:ln w="38100"/>
-        </p:spPr>
-        <p:style>
-          <a:lnRef idx="2">
-            <a:schemeClr val="accent1">
-              <a:shade val="15000"/>
-            </a:schemeClr>
-          </a:lnRef>
-          <a:fillRef idx="1">
-            <a:schemeClr val="accent1"/>
-          </a:fillRef>
-          <a:effectRef idx="0">
-            <a:schemeClr val="accent1"/>
-          </a:effectRef>
-          <a:fontRef idx="minor">
-            <a:schemeClr val="lt1"/>
-          </a:fontRef>
-        </p:style>
-        <p:txBody>
-          <a:bodyPr rtlCol="0" anchor="ctr"/>
-          <a:lstStyle/>
-          <a:p>
-            <a:pPr algn="ctr"/>
-            <a:endParaRPr lang="en-US"/>
-          </a:p>
-        </p:txBody>
-      </p:sp>
-      <p:sp>
-        <p:nvSpPr>
-          <p:cNvPr id="77" name="Rectangle 76">
-            <a:extLst>
-              <a:ext uri="{FF2B5EF4-FFF2-40B4-BE49-F238E27FC236}">
-                <a16:creationId xmlns:a16="http://schemas.microsoft.com/office/drawing/2014/main" id="{AD5A5CE2-39DD-3835-9C4B-8F2240485512}"/>
-              </a:ext>
-            </a:extLst>
-          </p:cNvPr>
-          <p:cNvSpPr/>
-          <p:nvPr/>
-        </p:nvSpPr>
-        <p:spPr>
-          <a:xfrm>
-            <a:off x="5296427" y="2530225"/>
-            <a:ext cx="598714" cy="598714"/>
-          </a:xfrm>
-          <a:prstGeom prst="rect">
-            <a:avLst/>
-          </a:prstGeom>
-          <a:noFill/>
-          <a:ln w="38100"/>
-        </p:spPr>
-        <p:style>
-          <a:lnRef idx="2">
-            <a:schemeClr val="accent1">
-              <a:shade val="15000"/>
-            </a:schemeClr>
-          </a:lnRef>
-          <a:fillRef idx="1">
-            <a:schemeClr val="accent1"/>
-          </a:fillRef>
-          <a:effectRef idx="0">
-            <a:schemeClr val="accent1"/>
-          </a:effectRef>
-          <a:fontRef idx="minor">
-            <a:schemeClr val="lt1"/>
-          </a:fontRef>
-        </p:style>
-        <p:txBody>
-          <a:bodyPr rtlCol="0" anchor="ctr"/>
-          <a:lstStyle/>
-          <a:p>
-            <a:pPr algn="ctr"/>
-            <a:r>
-              <a:rPr lang="en-US" sz="2800" b="1" dirty="0">
-                <a:solidFill>
-                  <a:schemeClr val="tx1"/>
-                </a:solidFill>
-              </a:rPr>
-              <a:t>S</a:t>
-            </a:r>
-          </a:p>
-        </p:txBody>
-      </p:sp>
-      <p:sp>
-        <p:nvSpPr>
-          <p:cNvPr id="78" name="Rectangle 77">
-            <a:extLst>
-              <a:ext uri="{FF2B5EF4-FFF2-40B4-BE49-F238E27FC236}">
-                <a16:creationId xmlns:a16="http://schemas.microsoft.com/office/drawing/2014/main" id="{FF721F9D-7D84-B1A6-E940-6827964BEB98}"/>
-              </a:ext>
-            </a:extLst>
-          </p:cNvPr>
-          <p:cNvSpPr/>
-          <p:nvPr/>
-        </p:nvSpPr>
-        <p:spPr>
-          <a:xfrm>
-            <a:off x="8466276" y="2482541"/>
-            <a:ext cx="598714" cy="598714"/>
-          </a:xfrm>
-          <a:prstGeom prst="rect">
-            <a:avLst/>
-          </a:prstGeom>
-          <a:noFill/>
-          <a:ln w="38100"/>
-        </p:spPr>
-        <p:style>
-          <a:lnRef idx="2">
-            <a:schemeClr val="accent1">
-              <a:shade val="15000"/>
-            </a:schemeClr>
-          </a:lnRef>
-          <a:fillRef idx="1">
-            <a:schemeClr val="accent1"/>
-          </a:fillRef>
-          <a:effectRef idx="0">
-            <a:schemeClr val="accent1"/>
-          </a:effectRef>
-          <a:fontRef idx="minor">
-            <a:schemeClr val="lt1"/>
-          </a:fontRef>
-        </p:style>
-        <p:txBody>
-          <a:bodyPr rtlCol="0" anchor="ctr"/>
-          <a:lstStyle/>
-          <a:p>
-            <a:pPr algn="ctr"/>
-            <a:endParaRPr lang="en-US"/>
-          </a:p>
-        </p:txBody>
-      </p:sp>
-      <p:sp>
-        <p:nvSpPr>
-          <p:cNvPr id="79" name="Rectangle 78">
-            <a:extLst>
-              <a:ext uri="{FF2B5EF4-FFF2-40B4-BE49-F238E27FC236}">
-                <a16:creationId xmlns:a16="http://schemas.microsoft.com/office/drawing/2014/main" id="{AADFA76B-81C2-A5FD-6254-7A471FE48914}"/>
-              </a:ext>
-            </a:extLst>
-          </p:cNvPr>
-          <p:cNvSpPr/>
-          <p:nvPr/>
-        </p:nvSpPr>
-        <p:spPr>
-          <a:xfrm>
-            <a:off x="8464643" y="3192288"/>
-            <a:ext cx="598714" cy="598714"/>
-          </a:xfrm>
-          <a:prstGeom prst="rect">
-            <a:avLst/>
-          </a:prstGeom>
-          <a:noFill/>
-          <a:ln w="38100"/>
-        </p:spPr>
-        <p:style>
-          <a:lnRef idx="2">
-            <a:schemeClr val="accent1">
-              <a:shade val="15000"/>
-            </a:schemeClr>
-          </a:lnRef>
-          <a:fillRef idx="1">
-            <a:schemeClr val="accent1"/>
-          </a:fillRef>
-          <a:effectRef idx="0">
-            <a:schemeClr val="accent1"/>
-          </a:effectRef>
-          <a:fontRef idx="minor">
-            <a:schemeClr val="lt1"/>
-          </a:fontRef>
-        </p:style>
-        <p:txBody>
-          <a:bodyPr rtlCol="0" anchor="ctr"/>
-          <a:lstStyle/>
-          <a:p>
-            <a:pPr algn="ctr"/>
-            <a:endParaRPr lang="en-US"/>
-          </a:p>
-        </p:txBody>
-      </p:sp>
-      <p:sp>
-        <p:nvSpPr>
-          <p:cNvPr id="80" name="Rectangle 79">
-            <a:extLst>
-              <a:ext uri="{FF2B5EF4-FFF2-40B4-BE49-F238E27FC236}">
-                <a16:creationId xmlns:a16="http://schemas.microsoft.com/office/drawing/2014/main" id="{C3B0E4AA-F92C-45CB-C397-5E08C9973EA7}"/>
-              </a:ext>
-            </a:extLst>
-          </p:cNvPr>
-          <p:cNvSpPr/>
-          <p:nvPr/>
-        </p:nvSpPr>
-        <p:spPr>
-          <a:xfrm>
-            <a:off x="7758353" y="2482541"/>
-            <a:ext cx="598714" cy="598714"/>
-          </a:xfrm>
-          <a:prstGeom prst="rect">
-            <a:avLst/>
-          </a:prstGeom>
-          <a:noFill/>
-          <a:ln w="38100"/>
-        </p:spPr>
-        <p:style>
-          <a:lnRef idx="2">
-            <a:schemeClr val="accent1">
-              <a:shade val="15000"/>
-            </a:schemeClr>
-          </a:lnRef>
-          <a:fillRef idx="1">
-            <a:schemeClr val="accent1"/>
-          </a:fillRef>
-          <a:effectRef idx="0">
-            <a:schemeClr val="accent1"/>
-          </a:effectRef>
-          <a:fontRef idx="minor">
-            <a:schemeClr val="lt1"/>
-          </a:fontRef>
-        </p:style>
-        <p:txBody>
-          <a:bodyPr rtlCol="0" anchor="ctr"/>
-          <a:lstStyle/>
-          <a:p>
-            <a:pPr algn="ctr"/>
-            <a:endParaRPr lang="en-US"/>
-          </a:p>
-        </p:txBody>
-      </p:sp>
-      <p:sp>
-        <p:nvSpPr>
-          <p:cNvPr id="81" name="Rectangle 80">
-            <a:extLst>
-              <a:ext uri="{FF2B5EF4-FFF2-40B4-BE49-F238E27FC236}">
-                <a16:creationId xmlns:a16="http://schemas.microsoft.com/office/drawing/2014/main" id="{88ECADA3-D370-6359-B4FA-505F05E9C13D}"/>
-              </a:ext>
-            </a:extLst>
-          </p:cNvPr>
-          <p:cNvSpPr/>
-          <p:nvPr/>
-        </p:nvSpPr>
-        <p:spPr>
-          <a:xfrm>
-            <a:off x="7756720" y="3192288"/>
-            <a:ext cx="598714" cy="598714"/>
-          </a:xfrm>
-          <a:prstGeom prst="rect">
-            <a:avLst/>
-          </a:prstGeom>
-          <a:noFill/>
-          <a:ln w="38100"/>
-        </p:spPr>
-        <p:style>
-          <a:lnRef idx="2">
-            <a:schemeClr val="accent1">
-              <a:shade val="15000"/>
-            </a:schemeClr>
-          </a:lnRef>
-          <a:fillRef idx="1">
-            <a:schemeClr val="accent1"/>
-          </a:fillRef>
-          <a:effectRef idx="0">
-            <a:schemeClr val="accent1"/>
-          </a:effectRef>
-          <a:fontRef idx="minor">
-            <a:schemeClr val="lt1"/>
-          </a:fontRef>
-        </p:style>
-        <p:txBody>
-          <a:bodyPr rtlCol="0" anchor="ctr"/>
-          <a:lstStyle/>
-          <a:p>
-            <a:pPr algn="ctr"/>
-            <a:endParaRPr lang="en-US"/>
-          </a:p>
-        </p:txBody>
-      </p:sp>
       <p:cxnSp>
         <p:nvCxnSpPr>
-          <p:cNvPr id="82" name="Straight Arrow Connector 81">
-            <a:extLst>
-              <a:ext uri="{FF2B5EF4-FFF2-40B4-BE49-F238E27FC236}">
-                <a16:creationId xmlns:a16="http://schemas.microsoft.com/office/drawing/2014/main" id="{6886821B-1258-92DE-E21D-FC900A70DA6F}"/>
+          <p:cNvPr id="116" name="Straight Connector 115">
+            <a:extLst>
+              <a:ext uri="{FF2B5EF4-FFF2-40B4-BE49-F238E27FC236}">
+                <a16:creationId xmlns:a16="http://schemas.microsoft.com/office/drawing/2014/main" id="{A727EFEC-1158-7786-465C-C7BB89F8BA37}"/>
               </a:ext>
             </a:extLst>
           </p:cNvPr>
           <p:cNvCxnSpPr>
             <a:cxnSpLocks/>
-            <a:endCxn id="73" idx="1"/>
           </p:cNvCxnSpPr>
           <p:nvPr/>
         </p:nvCxnSpPr>
         <p:spPr>
-          <a:xfrm flipV="1">
-            <a:off x="5810865" y="2830814"/>
-            <a:ext cx="813899" cy="9480"/>
+          <a:xfrm>
+            <a:off x="2861445" y="1164771"/>
+            <a:ext cx="690494" cy="0"/>
           </a:xfrm>
-          <a:prstGeom prst="straightConnector1">
+          <a:prstGeom prst="line">
             <a:avLst/>
           </a:prstGeom>
-          <a:ln w="28575">
+          <a:ln w="38100">
             <a:solidFill>
               <a:schemeClr val="tx1"/>
             </a:solidFill>
-            <a:headEnd type="oval" w="med" len="med"/>
-            <a:tailEnd type="triangle" w="lg" len="lg"/>
+            <a:prstDash val="dash"/>
           </a:ln>
         </p:spPr>
         <p:style>
@@ -6015,10 +7214,10 @@
       </p:cxnSp>
       <p:cxnSp>
         <p:nvCxnSpPr>
-          <p:cNvPr id="86" name="Straight Arrow Connector 85">
-            <a:extLst>
-              <a:ext uri="{FF2B5EF4-FFF2-40B4-BE49-F238E27FC236}">
-                <a16:creationId xmlns:a16="http://schemas.microsoft.com/office/drawing/2014/main" id="{92783767-56EF-FBEC-BB9C-052012B5E530}"/>
+          <p:cNvPr id="117" name="Straight Connector 116">
+            <a:extLst>
+              <a:ext uri="{FF2B5EF4-FFF2-40B4-BE49-F238E27FC236}">
+                <a16:creationId xmlns:a16="http://schemas.microsoft.com/office/drawing/2014/main" id="{EAA38D4F-91AA-41E4-2043-F2E458020D39}"/>
               </a:ext>
             </a:extLst>
           </p:cNvPr>
@@ -6029,379 +7228,17 @@
         </p:nvCxnSpPr>
         <p:spPr>
           <a:xfrm>
-            <a:off x="7082877" y="2749983"/>
-            <a:ext cx="991148" cy="0"/>
+            <a:off x="2861445" y="1763486"/>
+            <a:ext cx="690494" cy="0"/>
           </a:xfrm>
-          <a:prstGeom prst="straightConnector1">
+          <a:prstGeom prst="line">
             <a:avLst/>
           </a:prstGeom>
-          <a:ln w="28575">
+          <a:ln w="38100">
             <a:solidFill>
               <a:schemeClr val="tx1"/>
             </a:solidFill>
-            <a:headEnd type="oval" w="med" len="med"/>
-            <a:tailEnd type="triangle" w="lg" len="lg"/>
-          </a:ln>
-        </p:spPr>
-        <p:style>
-          <a:lnRef idx="1">
-            <a:schemeClr val="accent1"/>
-          </a:lnRef>
-          <a:fillRef idx="0">
-            <a:schemeClr val="accent1"/>
-          </a:fillRef>
-          <a:effectRef idx="0">
-            <a:schemeClr val="accent1"/>
-          </a:effectRef>
-          <a:fontRef idx="minor">
-            <a:schemeClr val="tx1"/>
-          </a:fontRef>
-        </p:style>
-      </p:cxnSp>
-      <p:cxnSp>
-        <p:nvCxnSpPr>
-          <p:cNvPr id="87" name="Straight Arrow Connector 86">
-            <a:extLst>
-              <a:ext uri="{FF2B5EF4-FFF2-40B4-BE49-F238E27FC236}">
-                <a16:creationId xmlns:a16="http://schemas.microsoft.com/office/drawing/2014/main" id="{920E6032-1609-3A1C-741A-329D2AE43968}"/>
-              </a:ext>
-            </a:extLst>
-          </p:cNvPr>
-          <p:cNvCxnSpPr>
-            <a:cxnSpLocks/>
-          </p:cNvCxnSpPr>
-          <p:nvPr/>
-        </p:nvCxnSpPr>
-        <p:spPr>
-          <a:xfrm flipV="1">
-            <a:off x="7081083" y="2775596"/>
-            <a:ext cx="1678409" cy="819814"/>
-          </a:xfrm>
-          <a:prstGeom prst="straightConnector1">
-            <a:avLst/>
-          </a:prstGeom>
-          <a:ln w="28575">
-            <a:solidFill>
-              <a:schemeClr val="tx1"/>
-            </a:solidFill>
-            <a:headEnd type="oval" w="med" len="med"/>
-            <a:tailEnd type="triangle" w="lg" len="lg"/>
-          </a:ln>
-        </p:spPr>
-        <p:style>
-          <a:lnRef idx="1">
-            <a:schemeClr val="accent1"/>
-          </a:lnRef>
-          <a:fillRef idx="0">
-            <a:schemeClr val="accent1"/>
-          </a:fillRef>
-          <a:effectRef idx="0">
-            <a:schemeClr val="accent1"/>
-          </a:effectRef>
-          <a:fontRef idx="minor">
-            <a:schemeClr val="tx1"/>
-          </a:fontRef>
-        </p:style>
-      </p:cxnSp>
-      <p:cxnSp>
-        <p:nvCxnSpPr>
-          <p:cNvPr id="92" name="Straight Arrow Connector 91">
-            <a:extLst>
-              <a:ext uri="{FF2B5EF4-FFF2-40B4-BE49-F238E27FC236}">
-                <a16:creationId xmlns:a16="http://schemas.microsoft.com/office/drawing/2014/main" id="{F085159B-164A-38B1-07C1-A5227EFB309F}"/>
-              </a:ext>
-            </a:extLst>
-          </p:cNvPr>
-          <p:cNvCxnSpPr>
-            <a:cxnSpLocks/>
-            <a:endCxn id="75" idx="0"/>
-          </p:cNvCxnSpPr>
-          <p:nvPr/>
-        </p:nvCxnSpPr>
-        <p:spPr>
-          <a:xfrm>
-            <a:off x="6804955" y="2604482"/>
-            <a:ext cx="119166" cy="769828"/>
-          </a:xfrm>
-          <a:prstGeom prst="straightConnector1">
-            <a:avLst/>
-          </a:prstGeom>
-          <a:ln w="28575">
-            <a:solidFill>
-              <a:schemeClr val="tx1"/>
-            </a:solidFill>
-            <a:headEnd type="oval" w="med" len="med"/>
-            <a:tailEnd type="triangle" w="lg" len="lg"/>
-          </a:ln>
-        </p:spPr>
-        <p:style>
-          <a:lnRef idx="1">
-            <a:schemeClr val="accent1"/>
-          </a:lnRef>
-          <a:fillRef idx="0">
-            <a:schemeClr val="accent1"/>
-          </a:fillRef>
-          <a:effectRef idx="0">
-            <a:schemeClr val="accent1"/>
-          </a:effectRef>
-          <a:fontRef idx="minor">
-            <a:schemeClr val="tx1"/>
-          </a:fontRef>
-        </p:style>
-      </p:cxnSp>
-      <p:cxnSp>
-        <p:nvCxnSpPr>
-          <p:cNvPr id="95" name="Straight Arrow Connector 94">
-            <a:extLst>
-              <a:ext uri="{FF2B5EF4-FFF2-40B4-BE49-F238E27FC236}">
-                <a16:creationId xmlns:a16="http://schemas.microsoft.com/office/drawing/2014/main" id="{5A9E6A4D-56E4-BFE8-4B99-533D3D193438}"/>
-              </a:ext>
-            </a:extLst>
-          </p:cNvPr>
-          <p:cNvCxnSpPr>
-            <a:cxnSpLocks/>
-          </p:cNvCxnSpPr>
-          <p:nvPr/>
-        </p:nvCxnSpPr>
-        <p:spPr>
-          <a:xfrm flipV="1">
-            <a:off x="7077759" y="3479080"/>
-            <a:ext cx="996266" cy="267139"/>
-          </a:xfrm>
-          <a:prstGeom prst="straightConnector1">
-            <a:avLst/>
-          </a:prstGeom>
-          <a:ln w="28575">
-            <a:solidFill>
-              <a:schemeClr val="tx1"/>
-            </a:solidFill>
-            <a:headEnd type="oval" w="med" len="med"/>
-            <a:tailEnd type="triangle" w="lg" len="lg"/>
-          </a:ln>
-        </p:spPr>
-        <p:style>
-          <a:lnRef idx="1">
-            <a:schemeClr val="accent1"/>
-          </a:lnRef>
-          <a:fillRef idx="0">
-            <a:schemeClr val="accent1"/>
-          </a:fillRef>
-          <a:effectRef idx="0">
-            <a:schemeClr val="accent1"/>
-          </a:effectRef>
-          <a:fontRef idx="minor">
-            <a:schemeClr val="tx1"/>
-          </a:fontRef>
-        </p:style>
-      </p:cxnSp>
-      <p:cxnSp>
-        <p:nvCxnSpPr>
-          <p:cNvPr id="98" name="Straight Arrow Connector 97">
-            <a:extLst>
-              <a:ext uri="{FF2B5EF4-FFF2-40B4-BE49-F238E27FC236}">
-                <a16:creationId xmlns:a16="http://schemas.microsoft.com/office/drawing/2014/main" id="{4E8285A2-A218-708B-4828-2EA448D76D3F}"/>
-              </a:ext>
-            </a:extLst>
-          </p:cNvPr>
-          <p:cNvCxnSpPr>
-            <a:cxnSpLocks/>
-          </p:cNvCxnSpPr>
-          <p:nvPr/>
-        </p:nvCxnSpPr>
-        <p:spPr>
-          <a:xfrm flipV="1">
-            <a:off x="7077759" y="3490864"/>
-            <a:ext cx="1681733" cy="411171"/>
-          </a:xfrm>
-          <a:prstGeom prst="straightConnector1">
-            <a:avLst/>
-          </a:prstGeom>
-          <a:ln w="28575">
-            <a:solidFill>
-              <a:schemeClr val="tx1"/>
-            </a:solidFill>
-            <a:headEnd type="oval" w="med" len="med"/>
-            <a:tailEnd type="triangle" w="lg" len="lg"/>
-          </a:ln>
-        </p:spPr>
-        <p:style>
-          <a:lnRef idx="1">
-            <a:schemeClr val="accent1"/>
-          </a:lnRef>
-          <a:fillRef idx="0">
-            <a:schemeClr val="accent1"/>
-          </a:fillRef>
-          <a:effectRef idx="0">
-            <a:schemeClr val="accent1"/>
-          </a:effectRef>
-          <a:fontRef idx="minor">
-            <a:schemeClr val="tx1"/>
-          </a:fontRef>
-        </p:style>
-      </p:cxnSp>
-      <p:cxnSp>
-        <p:nvCxnSpPr>
-          <p:cNvPr id="101" name="Straight Arrow Connector 100">
-            <a:extLst>
-              <a:ext uri="{FF2B5EF4-FFF2-40B4-BE49-F238E27FC236}">
-                <a16:creationId xmlns:a16="http://schemas.microsoft.com/office/drawing/2014/main" id="{B64E109C-1B69-A6E4-B46C-E40A7BB4EDCA}"/>
-              </a:ext>
-            </a:extLst>
-          </p:cNvPr>
-          <p:cNvCxnSpPr>
-            <a:cxnSpLocks/>
-          </p:cNvCxnSpPr>
-          <p:nvPr/>
-        </p:nvCxnSpPr>
-        <p:spPr>
-          <a:xfrm flipV="1">
-            <a:off x="7081050" y="2899693"/>
-            <a:ext cx="380820" cy="6759"/>
-          </a:xfrm>
-          <a:prstGeom prst="straightConnector1">
-            <a:avLst/>
-          </a:prstGeom>
-          <a:ln w="28575">
-            <a:solidFill>
-              <a:schemeClr val="tx1"/>
-            </a:solidFill>
-            <a:headEnd type="oval" w="med" len="med"/>
-            <a:tailEnd type="none" w="lg" len="lg"/>
-          </a:ln>
-        </p:spPr>
-        <p:style>
-          <a:lnRef idx="1">
-            <a:schemeClr val="accent1"/>
-          </a:lnRef>
-          <a:fillRef idx="0">
-            <a:schemeClr val="accent1"/>
-          </a:fillRef>
-          <a:effectRef idx="0">
-            <a:schemeClr val="accent1"/>
-          </a:effectRef>
-          <a:fontRef idx="minor">
-            <a:schemeClr val="tx1"/>
-          </a:fontRef>
-        </p:style>
-      </p:cxnSp>
-      <p:cxnSp>
-        <p:nvCxnSpPr>
-          <p:cNvPr id="103" name="Straight Arrow Connector 102">
-            <a:extLst>
-              <a:ext uri="{FF2B5EF4-FFF2-40B4-BE49-F238E27FC236}">
-                <a16:creationId xmlns:a16="http://schemas.microsoft.com/office/drawing/2014/main" id="{808592B3-373F-01DC-4EE5-E91D638C2948}"/>
-              </a:ext>
-            </a:extLst>
-          </p:cNvPr>
-          <p:cNvCxnSpPr>
-            <a:cxnSpLocks/>
-          </p:cNvCxnSpPr>
-          <p:nvPr/>
-        </p:nvCxnSpPr>
-        <p:spPr>
-          <a:xfrm flipV="1">
-            <a:off x="7461870" y="2843889"/>
-            <a:ext cx="0" cy="115021"/>
-          </a:xfrm>
-          <a:prstGeom prst="straightConnector1">
-            <a:avLst/>
-          </a:prstGeom>
-          <a:ln w="28575">
-            <a:solidFill>
-              <a:schemeClr val="tx1"/>
-            </a:solidFill>
-            <a:headEnd type="none" w="med" len="med"/>
-            <a:tailEnd type="none" w="lg" len="lg"/>
-          </a:ln>
-        </p:spPr>
-        <p:style>
-          <a:lnRef idx="1">
-            <a:schemeClr val="accent1"/>
-          </a:lnRef>
-          <a:fillRef idx="0">
-            <a:schemeClr val="accent1"/>
-          </a:fillRef>
-          <a:effectRef idx="0">
-            <a:schemeClr val="accent1"/>
-          </a:effectRef>
-          <a:fontRef idx="minor">
-            <a:schemeClr val="tx1"/>
-          </a:fontRef>
-        </p:style>
-      </p:cxnSp>
-      <p:cxnSp>
-        <p:nvCxnSpPr>
-          <p:cNvPr id="105" name="Straight Arrow Connector 104">
-            <a:extLst>
-              <a:ext uri="{FF2B5EF4-FFF2-40B4-BE49-F238E27FC236}">
-                <a16:creationId xmlns:a16="http://schemas.microsoft.com/office/drawing/2014/main" id="{794FAB37-AD83-348B-6A11-181A2ED7BB95}"/>
-              </a:ext>
-            </a:extLst>
-          </p:cNvPr>
-          <p:cNvCxnSpPr>
-            <a:cxnSpLocks/>
-          </p:cNvCxnSpPr>
-          <p:nvPr/>
-        </p:nvCxnSpPr>
-        <p:spPr>
-          <a:xfrm flipV="1">
-            <a:off x="7081050" y="3046199"/>
-            <a:ext cx="380820" cy="6759"/>
-          </a:xfrm>
-          <a:prstGeom prst="straightConnector1">
-            <a:avLst/>
-          </a:prstGeom>
-          <a:ln w="28575">
-            <a:solidFill>
-              <a:schemeClr val="tx1"/>
-            </a:solidFill>
-            <a:headEnd type="oval" w="med" len="med"/>
-            <a:tailEnd type="none" w="lg" len="lg"/>
-          </a:ln>
-        </p:spPr>
-        <p:style>
-          <a:lnRef idx="1">
-            <a:schemeClr val="accent1"/>
-          </a:lnRef>
-          <a:fillRef idx="0">
-            <a:schemeClr val="accent1"/>
-          </a:fillRef>
-          <a:effectRef idx="0">
-            <a:schemeClr val="accent1"/>
-          </a:effectRef>
-          <a:fontRef idx="minor">
-            <a:schemeClr val="tx1"/>
-          </a:fontRef>
-        </p:style>
-      </p:cxnSp>
-      <p:cxnSp>
-        <p:nvCxnSpPr>
-          <p:cNvPr id="106" name="Straight Arrow Connector 105">
-            <a:extLst>
-              <a:ext uri="{FF2B5EF4-FFF2-40B4-BE49-F238E27FC236}">
-                <a16:creationId xmlns:a16="http://schemas.microsoft.com/office/drawing/2014/main" id="{A61BF93F-D5F3-E26E-D6DA-F5BB775ED05B}"/>
-              </a:ext>
-            </a:extLst>
-          </p:cNvPr>
-          <p:cNvCxnSpPr>
-            <a:cxnSpLocks/>
-          </p:cNvCxnSpPr>
-          <p:nvPr/>
-        </p:nvCxnSpPr>
-        <p:spPr>
-          <a:xfrm flipV="1">
-            <a:off x="7461870" y="2990395"/>
-            <a:ext cx="0" cy="115021"/>
-          </a:xfrm>
-          <a:prstGeom prst="straightConnector1">
-            <a:avLst/>
-          </a:prstGeom>
-          <a:ln w="28575">
-            <a:solidFill>
-              <a:schemeClr val="tx1"/>
-            </a:solidFill>
-            <a:headEnd type="none" w="med" len="med"/>
-            <a:tailEnd type="none" w="lg" len="lg"/>
+            <a:prstDash val="dash"/>
           </a:ln>
         </p:spPr>
         <p:style>
@@ -6421,10 +7258,10 @@
       </p:cxnSp>
       <p:grpSp>
         <p:nvGrpSpPr>
-          <p:cNvPr id="121" name="Group 120">
-            <a:extLst>
-              <a:ext uri="{FF2B5EF4-FFF2-40B4-BE49-F238E27FC236}">
-                <a16:creationId xmlns:a16="http://schemas.microsoft.com/office/drawing/2014/main" id="{EC30E163-902E-F4F2-E7C0-4C75EBF88322}"/>
+          <p:cNvPr id="172" name="Group 171">
+            <a:extLst>
+              <a:ext uri="{FF2B5EF4-FFF2-40B4-BE49-F238E27FC236}">
+                <a16:creationId xmlns:a16="http://schemas.microsoft.com/office/drawing/2014/main" id="{24454851-90BB-FD46-85E7-721B93594EDA}"/>
               </a:ext>
             </a:extLst>
           </p:cNvPr>
@@ -6432,110 +7269,1737 @@
           <p:nvPr/>
         </p:nvGrpSpPr>
         <p:grpSpPr>
-          <a:xfrm rot="20224081">
-            <a:off x="7067005" y="3317580"/>
-            <a:ext cx="380820" cy="115021"/>
-            <a:chOff x="7081050" y="3346345"/>
-            <a:chExt cx="380820" cy="115021"/>
+          <a:xfrm>
+            <a:off x="3635259" y="1288317"/>
+            <a:ext cx="430892" cy="378181"/>
+            <a:chOff x="1439865" y="5220668"/>
+            <a:chExt cx="430892" cy="378181"/>
           </a:xfrm>
         </p:grpSpPr>
-        <p:cxnSp>
-          <p:nvCxnSpPr>
-            <p:cNvPr id="107" name="Straight Arrow Connector 106">
+        <p:sp>
+          <p:nvSpPr>
+            <p:cNvPr id="173" name="Rectangle 172">
               <a:extLst>
                 <a:ext uri="{FF2B5EF4-FFF2-40B4-BE49-F238E27FC236}">
-                  <a16:creationId xmlns:a16="http://schemas.microsoft.com/office/drawing/2014/main" id="{4CA10ED4-3E7A-30D3-7DAA-4D6CBB7AA082}"/>
+                  <a16:creationId xmlns:a16="http://schemas.microsoft.com/office/drawing/2014/main" id="{528D2985-1BD1-54C2-F83F-2EFA143452F5}"/>
                 </a:ext>
               </a:extLst>
             </p:cNvPr>
-            <p:cNvCxnSpPr>
-              <a:cxnSpLocks/>
-            </p:cNvCxnSpPr>
+            <p:cNvSpPr/>
             <p:nvPr/>
-          </p:nvCxnSpPr>
+          </p:nvSpPr>
           <p:spPr>
-            <a:xfrm flipV="1">
-              <a:off x="7081050" y="3402149"/>
-              <a:ext cx="380820" cy="6759"/>
+            <a:xfrm>
+              <a:off x="1439865" y="5220668"/>
+              <a:ext cx="46717" cy="47981"/>
             </a:xfrm>
-            <a:prstGeom prst="straightConnector1">
+            <a:prstGeom prst="rect">
               <a:avLst/>
             </a:prstGeom>
-            <a:ln w="28575">
+            <a:noFill/>
+            <a:ln w="12700">
               <a:solidFill>
                 <a:schemeClr val="tx1"/>
               </a:solidFill>
-              <a:headEnd type="oval" w="med" len="med"/>
-              <a:tailEnd type="none" w="lg" len="lg"/>
             </a:ln>
           </p:spPr>
           <p:style>
-            <a:lnRef idx="1">
-              <a:schemeClr val="accent1"/>
+            <a:lnRef idx="2">
+              <a:schemeClr val="accent1">
+                <a:shade val="15000"/>
+              </a:schemeClr>
             </a:lnRef>
-            <a:fillRef idx="0">
+            <a:fillRef idx="1">
               <a:schemeClr val="accent1"/>
             </a:fillRef>
             <a:effectRef idx="0">
               <a:schemeClr val="accent1"/>
             </a:effectRef>
             <a:fontRef idx="minor">
-              <a:schemeClr val="tx1"/>
+              <a:schemeClr val="lt1"/>
             </a:fontRef>
           </p:style>
-        </p:cxnSp>
-        <p:cxnSp>
-          <p:nvCxnSpPr>
-            <p:cNvPr id="108" name="Straight Arrow Connector 107">
+          <p:txBody>
+            <a:bodyPr rtlCol="0" anchor="ctr"/>
+            <a:lstStyle/>
+            <a:p>
+              <a:pPr algn="ctr"/>
+              <a:endParaRPr lang="en-US"/>
+            </a:p>
+          </p:txBody>
+        </p:sp>
+        <p:sp>
+          <p:nvSpPr>
+            <p:cNvPr id="174" name="Rectangle 173">
               <a:extLst>
                 <a:ext uri="{FF2B5EF4-FFF2-40B4-BE49-F238E27FC236}">
-                  <a16:creationId xmlns:a16="http://schemas.microsoft.com/office/drawing/2014/main" id="{160F06A3-0E20-D81C-478A-F906313389C5}"/>
+                  <a16:creationId xmlns:a16="http://schemas.microsoft.com/office/drawing/2014/main" id="{DE87C2D6-A348-83C8-05DE-FDC825112784}"/>
                 </a:ext>
               </a:extLst>
             </p:cNvPr>
-            <p:cNvCxnSpPr>
-              <a:cxnSpLocks/>
-            </p:cNvCxnSpPr>
+            <p:cNvSpPr/>
             <p:nvPr/>
-          </p:nvCxnSpPr>
+          </p:nvSpPr>
           <p:spPr>
-            <a:xfrm flipV="1">
-              <a:off x="7461870" y="3346345"/>
-              <a:ext cx="0" cy="115021"/>
+            <a:xfrm>
+              <a:off x="1516065" y="5220668"/>
+              <a:ext cx="46717" cy="47981"/>
             </a:xfrm>
-            <a:prstGeom prst="straightConnector1">
+            <a:prstGeom prst="rect">
               <a:avLst/>
             </a:prstGeom>
-            <a:ln w="28575">
+            <a:noFill/>
+            <a:ln w="12700">
               <a:solidFill>
                 <a:schemeClr val="tx1"/>
               </a:solidFill>
-              <a:headEnd type="none" w="med" len="med"/>
-              <a:tailEnd type="none" w="lg" len="lg"/>
             </a:ln>
           </p:spPr>
           <p:style>
-            <a:lnRef idx="1">
-              <a:schemeClr val="accent1"/>
+            <a:lnRef idx="2">
+              <a:schemeClr val="accent1">
+                <a:shade val="15000"/>
+              </a:schemeClr>
             </a:lnRef>
-            <a:fillRef idx="0">
+            <a:fillRef idx="1">
               <a:schemeClr val="accent1"/>
             </a:fillRef>
             <a:effectRef idx="0">
               <a:schemeClr val="accent1"/>
             </a:effectRef>
             <a:fontRef idx="minor">
-              <a:schemeClr val="tx1"/>
+              <a:schemeClr val="lt1"/>
             </a:fontRef>
           </p:style>
-        </p:cxnSp>
+          <p:txBody>
+            <a:bodyPr rtlCol="0" anchor="ctr"/>
+            <a:lstStyle/>
+            <a:p>
+              <a:pPr algn="ctr"/>
+              <a:endParaRPr lang="en-US"/>
+            </a:p>
+          </p:txBody>
+        </p:sp>
+        <p:sp>
+          <p:nvSpPr>
+            <p:cNvPr id="175" name="Rectangle 174">
+              <a:extLst>
+                <a:ext uri="{FF2B5EF4-FFF2-40B4-BE49-F238E27FC236}">
+                  <a16:creationId xmlns:a16="http://schemas.microsoft.com/office/drawing/2014/main" id="{A04B5A4C-111C-16E1-F507-AE61CE6244E2}"/>
+                </a:ext>
+              </a:extLst>
+            </p:cNvPr>
+            <p:cNvSpPr/>
+            <p:nvPr/>
+          </p:nvSpPr>
+          <p:spPr>
+            <a:xfrm>
+              <a:off x="1595440" y="5220668"/>
+              <a:ext cx="46717" cy="47981"/>
+            </a:xfrm>
+            <a:prstGeom prst="rect">
+              <a:avLst/>
+            </a:prstGeom>
+            <a:noFill/>
+            <a:ln w="12700">
+              <a:solidFill>
+                <a:schemeClr val="tx1"/>
+              </a:solidFill>
+            </a:ln>
+          </p:spPr>
+          <p:style>
+            <a:lnRef idx="2">
+              <a:schemeClr val="accent1">
+                <a:shade val="15000"/>
+              </a:schemeClr>
+            </a:lnRef>
+            <a:fillRef idx="1">
+              <a:schemeClr val="accent1"/>
+            </a:fillRef>
+            <a:effectRef idx="0">
+              <a:schemeClr val="accent1"/>
+            </a:effectRef>
+            <a:fontRef idx="minor">
+              <a:schemeClr val="lt1"/>
+            </a:fontRef>
+          </p:style>
+          <p:txBody>
+            <a:bodyPr rtlCol="0" anchor="ctr"/>
+            <a:lstStyle/>
+            <a:p>
+              <a:pPr algn="ctr"/>
+              <a:endParaRPr lang="en-US"/>
+            </a:p>
+          </p:txBody>
+        </p:sp>
+        <p:sp>
+          <p:nvSpPr>
+            <p:cNvPr id="176" name="Rectangle 175">
+              <a:extLst>
+                <a:ext uri="{FF2B5EF4-FFF2-40B4-BE49-F238E27FC236}">
+                  <a16:creationId xmlns:a16="http://schemas.microsoft.com/office/drawing/2014/main" id="{446284EF-D63A-9586-8656-5EDFFBA9A6D1}"/>
+                </a:ext>
+              </a:extLst>
+            </p:cNvPr>
+            <p:cNvSpPr/>
+            <p:nvPr/>
+          </p:nvSpPr>
+          <p:spPr>
+            <a:xfrm>
+              <a:off x="1671640" y="5220668"/>
+              <a:ext cx="46717" cy="47981"/>
+            </a:xfrm>
+            <a:prstGeom prst="rect">
+              <a:avLst/>
+            </a:prstGeom>
+            <a:noFill/>
+            <a:ln w="12700">
+              <a:solidFill>
+                <a:schemeClr val="tx1"/>
+              </a:solidFill>
+            </a:ln>
+          </p:spPr>
+          <p:style>
+            <a:lnRef idx="2">
+              <a:schemeClr val="accent1">
+                <a:shade val="15000"/>
+              </a:schemeClr>
+            </a:lnRef>
+            <a:fillRef idx="1">
+              <a:schemeClr val="accent1"/>
+            </a:fillRef>
+            <a:effectRef idx="0">
+              <a:schemeClr val="accent1"/>
+            </a:effectRef>
+            <a:fontRef idx="minor">
+              <a:schemeClr val="lt1"/>
+            </a:fontRef>
+          </p:style>
+          <p:txBody>
+            <a:bodyPr rtlCol="0" anchor="ctr"/>
+            <a:lstStyle/>
+            <a:p>
+              <a:pPr algn="ctr"/>
+              <a:endParaRPr lang="en-US"/>
+            </a:p>
+          </p:txBody>
+        </p:sp>
+        <p:sp>
+          <p:nvSpPr>
+            <p:cNvPr id="177" name="Rectangle 176">
+              <a:extLst>
+                <a:ext uri="{FF2B5EF4-FFF2-40B4-BE49-F238E27FC236}">
+                  <a16:creationId xmlns:a16="http://schemas.microsoft.com/office/drawing/2014/main" id="{9CFBD7E6-6838-3D6E-AA55-18AC17E31F07}"/>
+                </a:ext>
+              </a:extLst>
+            </p:cNvPr>
+            <p:cNvSpPr/>
+            <p:nvPr/>
+          </p:nvSpPr>
+          <p:spPr>
+            <a:xfrm>
+              <a:off x="1747840" y="5220668"/>
+              <a:ext cx="46717" cy="47981"/>
+            </a:xfrm>
+            <a:prstGeom prst="rect">
+              <a:avLst/>
+            </a:prstGeom>
+            <a:noFill/>
+            <a:ln w="12700">
+              <a:solidFill>
+                <a:schemeClr val="tx1"/>
+              </a:solidFill>
+            </a:ln>
+          </p:spPr>
+          <p:style>
+            <a:lnRef idx="2">
+              <a:schemeClr val="accent1">
+                <a:shade val="15000"/>
+              </a:schemeClr>
+            </a:lnRef>
+            <a:fillRef idx="1">
+              <a:schemeClr val="accent1"/>
+            </a:fillRef>
+            <a:effectRef idx="0">
+              <a:schemeClr val="accent1"/>
+            </a:effectRef>
+            <a:fontRef idx="minor">
+              <a:schemeClr val="lt1"/>
+            </a:fontRef>
+          </p:style>
+          <p:txBody>
+            <a:bodyPr rtlCol="0" anchor="ctr"/>
+            <a:lstStyle/>
+            <a:p>
+              <a:pPr algn="ctr"/>
+              <a:endParaRPr lang="en-US"/>
+            </a:p>
+          </p:txBody>
+        </p:sp>
+        <p:sp>
+          <p:nvSpPr>
+            <p:cNvPr id="178" name="Rectangle 177">
+              <a:extLst>
+                <a:ext uri="{FF2B5EF4-FFF2-40B4-BE49-F238E27FC236}">
+                  <a16:creationId xmlns:a16="http://schemas.microsoft.com/office/drawing/2014/main" id="{0AD69BCB-44C8-1518-20E4-FDF92F1CEA1F}"/>
+                </a:ext>
+              </a:extLst>
+            </p:cNvPr>
+            <p:cNvSpPr/>
+            <p:nvPr/>
+          </p:nvSpPr>
+          <p:spPr>
+            <a:xfrm>
+              <a:off x="1824040" y="5220668"/>
+              <a:ext cx="46717" cy="47981"/>
+            </a:xfrm>
+            <a:prstGeom prst="rect">
+              <a:avLst/>
+            </a:prstGeom>
+            <a:noFill/>
+            <a:ln w="12700">
+              <a:solidFill>
+                <a:schemeClr val="tx1"/>
+              </a:solidFill>
+            </a:ln>
+          </p:spPr>
+          <p:style>
+            <a:lnRef idx="2">
+              <a:schemeClr val="accent1">
+                <a:shade val="15000"/>
+              </a:schemeClr>
+            </a:lnRef>
+            <a:fillRef idx="1">
+              <a:schemeClr val="accent1"/>
+            </a:fillRef>
+            <a:effectRef idx="0">
+              <a:schemeClr val="accent1"/>
+            </a:effectRef>
+            <a:fontRef idx="minor">
+              <a:schemeClr val="lt1"/>
+            </a:fontRef>
+          </p:style>
+          <p:txBody>
+            <a:bodyPr rtlCol="0" anchor="ctr"/>
+            <a:lstStyle/>
+            <a:p>
+              <a:pPr algn="ctr"/>
+              <a:endParaRPr lang="en-US"/>
+            </a:p>
+          </p:txBody>
+        </p:sp>
+        <p:sp>
+          <p:nvSpPr>
+            <p:cNvPr id="179" name="Rectangle 178">
+              <a:extLst>
+                <a:ext uri="{FF2B5EF4-FFF2-40B4-BE49-F238E27FC236}">
+                  <a16:creationId xmlns:a16="http://schemas.microsoft.com/office/drawing/2014/main" id="{7F2E073B-2CC5-22DE-A872-D768028D4947}"/>
+                </a:ext>
+              </a:extLst>
+            </p:cNvPr>
+            <p:cNvSpPr/>
+            <p:nvPr/>
+          </p:nvSpPr>
+          <p:spPr>
+            <a:xfrm>
+              <a:off x="1439865" y="5303218"/>
+              <a:ext cx="46717" cy="47981"/>
+            </a:xfrm>
+            <a:prstGeom prst="rect">
+              <a:avLst/>
+            </a:prstGeom>
+            <a:noFill/>
+            <a:ln w="12700">
+              <a:solidFill>
+                <a:schemeClr val="tx1"/>
+              </a:solidFill>
+            </a:ln>
+          </p:spPr>
+          <p:style>
+            <a:lnRef idx="2">
+              <a:schemeClr val="accent1">
+                <a:shade val="15000"/>
+              </a:schemeClr>
+            </a:lnRef>
+            <a:fillRef idx="1">
+              <a:schemeClr val="accent1"/>
+            </a:fillRef>
+            <a:effectRef idx="0">
+              <a:schemeClr val="accent1"/>
+            </a:effectRef>
+            <a:fontRef idx="minor">
+              <a:schemeClr val="lt1"/>
+            </a:fontRef>
+          </p:style>
+          <p:txBody>
+            <a:bodyPr rtlCol="0" anchor="ctr"/>
+            <a:lstStyle/>
+            <a:p>
+              <a:pPr algn="ctr"/>
+              <a:endParaRPr lang="en-US"/>
+            </a:p>
+          </p:txBody>
+        </p:sp>
+        <p:sp>
+          <p:nvSpPr>
+            <p:cNvPr id="180" name="Rectangle 179">
+              <a:extLst>
+                <a:ext uri="{FF2B5EF4-FFF2-40B4-BE49-F238E27FC236}">
+                  <a16:creationId xmlns:a16="http://schemas.microsoft.com/office/drawing/2014/main" id="{4C7E73CA-0890-4EFE-4BC3-BC6867442248}"/>
+                </a:ext>
+              </a:extLst>
+            </p:cNvPr>
+            <p:cNvSpPr/>
+            <p:nvPr/>
+          </p:nvSpPr>
+          <p:spPr>
+            <a:xfrm>
+              <a:off x="1516065" y="5303218"/>
+              <a:ext cx="46717" cy="47981"/>
+            </a:xfrm>
+            <a:prstGeom prst="rect">
+              <a:avLst/>
+            </a:prstGeom>
+            <a:noFill/>
+            <a:ln w="12700">
+              <a:solidFill>
+                <a:schemeClr val="tx1"/>
+              </a:solidFill>
+            </a:ln>
+          </p:spPr>
+          <p:style>
+            <a:lnRef idx="2">
+              <a:schemeClr val="accent1">
+                <a:shade val="15000"/>
+              </a:schemeClr>
+            </a:lnRef>
+            <a:fillRef idx="1">
+              <a:schemeClr val="accent1"/>
+            </a:fillRef>
+            <a:effectRef idx="0">
+              <a:schemeClr val="accent1"/>
+            </a:effectRef>
+            <a:fontRef idx="minor">
+              <a:schemeClr val="lt1"/>
+            </a:fontRef>
+          </p:style>
+          <p:txBody>
+            <a:bodyPr rtlCol="0" anchor="ctr"/>
+            <a:lstStyle/>
+            <a:p>
+              <a:pPr algn="ctr"/>
+              <a:endParaRPr lang="en-US"/>
+            </a:p>
+          </p:txBody>
+        </p:sp>
+        <p:sp>
+          <p:nvSpPr>
+            <p:cNvPr id="181" name="Rectangle 180">
+              <a:extLst>
+                <a:ext uri="{FF2B5EF4-FFF2-40B4-BE49-F238E27FC236}">
+                  <a16:creationId xmlns:a16="http://schemas.microsoft.com/office/drawing/2014/main" id="{BDDAE84E-1DBD-3061-121E-7403D49A8FC4}"/>
+                </a:ext>
+              </a:extLst>
+            </p:cNvPr>
+            <p:cNvSpPr/>
+            <p:nvPr/>
+          </p:nvSpPr>
+          <p:spPr>
+            <a:xfrm>
+              <a:off x="1595440" y="5303218"/>
+              <a:ext cx="46717" cy="47981"/>
+            </a:xfrm>
+            <a:prstGeom prst="rect">
+              <a:avLst/>
+            </a:prstGeom>
+            <a:noFill/>
+            <a:ln w="12700">
+              <a:solidFill>
+                <a:schemeClr val="tx1"/>
+              </a:solidFill>
+            </a:ln>
+          </p:spPr>
+          <p:style>
+            <a:lnRef idx="2">
+              <a:schemeClr val="accent1">
+                <a:shade val="15000"/>
+              </a:schemeClr>
+            </a:lnRef>
+            <a:fillRef idx="1">
+              <a:schemeClr val="accent1"/>
+            </a:fillRef>
+            <a:effectRef idx="0">
+              <a:schemeClr val="accent1"/>
+            </a:effectRef>
+            <a:fontRef idx="minor">
+              <a:schemeClr val="lt1"/>
+            </a:fontRef>
+          </p:style>
+          <p:txBody>
+            <a:bodyPr rtlCol="0" anchor="ctr"/>
+            <a:lstStyle/>
+            <a:p>
+              <a:pPr algn="ctr"/>
+              <a:endParaRPr lang="en-US"/>
+            </a:p>
+          </p:txBody>
+        </p:sp>
+        <p:sp>
+          <p:nvSpPr>
+            <p:cNvPr id="182" name="Rectangle 181">
+              <a:extLst>
+                <a:ext uri="{FF2B5EF4-FFF2-40B4-BE49-F238E27FC236}">
+                  <a16:creationId xmlns:a16="http://schemas.microsoft.com/office/drawing/2014/main" id="{F8F39F81-4EF9-A51B-56C1-43DFF2E1B7C6}"/>
+                </a:ext>
+              </a:extLst>
+            </p:cNvPr>
+            <p:cNvSpPr/>
+            <p:nvPr/>
+          </p:nvSpPr>
+          <p:spPr>
+            <a:xfrm>
+              <a:off x="1671640" y="5303218"/>
+              <a:ext cx="46717" cy="47981"/>
+            </a:xfrm>
+            <a:prstGeom prst="rect">
+              <a:avLst/>
+            </a:prstGeom>
+            <a:noFill/>
+            <a:ln w="12700">
+              <a:solidFill>
+                <a:schemeClr val="tx1"/>
+              </a:solidFill>
+            </a:ln>
+          </p:spPr>
+          <p:style>
+            <a:lnRef idx="2">
+              <a:schemeClr val="accent1">
+                <a:shade val="15000"/>
+              </a:schemeClr>
+            </a:lnRef>
+            <a:fillRef idx="1">
+              <a:schemeClr val="accent1"/>
+            </a:fillRef>
+            <a:effectRef idx="0">
+              <a:schemeClr val="accent1"/>
+            </a:effectRef>
+            <a:fontRef idx="minor">
+              <a:schemeClr val="lt1"/>
+            </a:fontRef>
+          </p:style>
+          <p:txBody>
+            <a:bodyPr rtlCol="0" anchor="ctr"/>
+            <a:lstStyle/>
+            <a:p>
+              <a:pPr algn="ctr"/>
+              <a:endParaRPr lang="en-US"/>
+            </a:p>
+          </p:txBody>
+        </p:sp>
+        <p:sp>
+          <p:nvSpPr>
+            <p:cNvPr id="183" name="Rectangle 182">
+              <a:extLst>
+                <a:ext uri="{FF2B5EF4-FFF2-40B4-BE49-F238E27FC236}">
+                  <a16:creationId xmlns:a16="http://schemas.microsoft.com/office/drawing/2014/main" id="{486DF103-F6B7-FB55-8FAF-74910960699A}"/>
+                </a:ext>
+              </a:extLst>
+            </p:cNvPr>
+            <p:cNvSpPr/>
+            <p:nvPr/>
+          </p:nvSpPr>
+          <p:spPr>
+            <a:xfrm>
+              <a:off x="1747840" y="5303218"/>
+              <a:ext cx="46717" cy="47981"/>
+            </a:xfrm>
+            <a:prstGeom prst="rect">
+              <a:avLst/>
+            </a:prstGeom>
+            <a:noFill/>
+            <a:ln w="12700">
+              <a:solidFill>
+                <a:schemeClr val="tx1"/>
+              </a:solidFill>
+            </a:ln>
+          </p:spPr>
+          <p:style>
+            <a:lnRef idx="2">
+              <a:schemeClr val="accent1">
+                <a:shade val="15000"/>
+              </a:schemeClr>
+            </a:lnRef>
+            <a:fillRef idx="1">
+              <a:schemeClr val="accent1"/>
+            </a:fillRef>
+            <a:effectRef idx="0">
+              <a:schemeClr val="accent1"/>
+            </a:effectRef>
+            <a:fontRef idx="minor">
+              <a:schemeClr val="lt1"/>
+            </a:fontRef>
+          </p:style>
+          <p:txBody>
+            <a:bodyPr rtlCol="0" anchor="ctr"/>
+            <a:lstStyle/>
+            <a:p>
+              <a:pPr algn="ctr"/>
+              <a:endParaRPr lang="en-US"/>
+            </a:p>
+          </p:txBody>
+        </p:sp>
+        <p:sp>
+          <p:nvSpPr>
+            <p:cNvPr id="184" name="Rectangle 183">
+              <a:extLst>
+                <a:ext uri="{FF2B5EF4-FFF2-40B4-BE49-F238E27FC236}">
+                  <a16:creationId xmlns:a16="http://schemas.microsoft.com/office/drawing/2014/main" id="{04E93F04-01A9-8409-0B66-AC148C834993}"/>
+                </a:ext>
+              </a:extLst>
+            </p:cNvPr>
+            <p:cNvSpPr/>
+            <p:nvPr/>
+          </p:nvSpPr>
+          <p:spPr>
+            <a:xfrm>
+              <a:off x="1824040" y="5303218"/>
+              <a:ext cx="46717" cy="47981"/>
+            </a:xfrm>
+            <a:prstGeom prst="rect">
+              <a:avLst/>
+            </a:prstGeom>
+            <a:noFill/>
+            <a:ln w="12700">
+              <a:solidFill>
+                <a:schemeClr val="tx1"/>
+              </a:solidFill>
+            </a:ln>
+          </p:spPr>
+          <p:style>
+            <a:lnRef idx="2">
+              <a:schemeClr val="accent1">
+                <a:shade val="15000"/>
+              </a:schemeClr>
+            </a:lnRef>
+            <a:fillRef idx="1">
+              <a:schemeClr val="accent1"/>
+            </a:fillRef>
+            <a:effectRef idx="0">
+              <a:schemeClr val="accent1"/>
+            </a:effectRef>
+            <a:fontRef idx="minor">
+              <a:schemeClr val="lt1"/>
+            </a:fontRef>
+          </p:style>
+          <p:txBody>
+            <a:bodyPr rtlCol="0" anchor="ctr"/>
+            <a:lstStyle/>
+            <a:p>
+              <a:pPr algn="ctr"/>
+              <a:endParaRPr lang="en-US"/>
+            </a:p>
+          </p:txBody>
+        </p:sp>
+        <p:sp>
+          <p:nvSpPr>
+            <p:cNvPr id="185" name="Rectangle 184">
+              <a:extLst>
+                <a:ext uri="{FF2B5EF4-FFF2-40B4-BE49-F238E27FC236}">
+                  <a16:creationId xmlns:a16="http://schemas.microsoft.com/office/drawing/2014/main" id="{34041A85-5CB2-ABE4-A9B4-61C82063BA85}"/>
+                </a:ext>
+              </a:extLst>
+            </p:cNvPr>
+            <p:cNvSpPr/>
+            <p:nvPr/>
+          </p:nvSpPr>
+          <p:spPr>
+            <a:xfrm>
+              <a:off x="1439865" y="5382593"/>
+              <a:ext cx="46717" cy="47981"/>
+            </a:xfrm>
+            <a:prstGeom prst="rect">
+              <a:avLst/>
+            </a:prstGeom>
+            <a:noFill/>
+            <a:ln w="12700">
+              <a:solidFill>
+                <a:schemeClr val="tx1"/>
+              </a:solidFill>
+            </a:ln>
+          </p:spPr>
+          <p:style>
+            <a:lnRef idx="2">
+              <a:schemeClr val="accent1">
+                <a:shade val="15000"/>
+              </a:schemeClr>
+            </a:lnRef>
+            <a:fillRef idx="1">
+              <a:schemeClr val="accent1"/>
+            </a:fillRef>
+            <a:effectRef idx="0">
+              <a:schemeClr val="accent1"/>
+            </a:effectRef>
+            <a:fontRef idx="minor">
+              <a:schemeClr val="lt1"/>
+            </a:fontRef>
+          </p:style>
+          <p:txBody>
+            <a:bodyPr rtlCol="0" anchor="ctr"/>
+            <a:lstStyle/>
+            <a:p>
+              <a:pPr algn="ctr"/>
+              <a:endParaRPr lang="en-US"/>
+            </a:p>
+          </p:txBody>
+        </p:sp>
+        <p:sp>
+          <p:nvSpPr>
+            <p:cNvPr id="186" name="Rectangle 185">
+              <a:extLst>
+                <a:ext uri="{FF2B5EF4-FFF2-40B4-BE49-F238E27FC236}">
+                  <a16:creationId xmlns:a16="http://schemas.microsoft.com/office/drawing/2014/main" id="{2DDA8468-6DDF-2E65-FE0F-E9C38835378E}"/>
+                </a:ext>
+              </a:extLst>
+            </p:cNvPr>
+            <p:cNvSpPr/>
+            <p:nvPr/>
+          </p:nvSpPr>
+          <p:spPr>
+            <a:xfrm>
+              <a:off x="1516065" y="5382593"/>
+              <a:ext cx="46717" cy="47981"/>
+            </a:xfrm>
+            <a:prstGeom prst="rect">
+              <a:avLst/>
+            </a:prstGeom>
+            <a:noFill/>
+            <a:ln w="12700">
+              <a:solidFill>
+                <a:schemeClr val="tx1"/>
+              </a:solidFill>
+            </a:ln>
+          </p:spPr>
+          <p:style>
+            <a:lnRef idx="2">
+              <a:schemeClr val="accent1">
+                <a:shade val="15000"/>
+              </a:schemeClr>
+            </a:lnRef>
+            <a:fillRef idx="1">
+              <a:schemeClr val="accent1"/>
+            </a:fillRef>
+            <a:effectRef idx="0">
+              <a:schemeClr val="accent1"/>
+            </a:effectRef>
+            <a:fontRef idx="minor">
+              <a:schemeClr val="lt1"/>
+            </a:fontRef>
+          </p:style>
+          <p:txBody>
+            <a:bodyPr rtlCol="0" anchor="ctr"/>
+            <a:lstStyle/>
+            <a:p>
+              <a:pPr algn="ctr"/>
+              <a:endParaRPr lang="en-US"/>
+            </a:p>
+          </p:txBody>
+        </p:sp>
+        <p:sp>
+          <p:nvSpPr>
+            <p:cNvPr id="187" name="Rectangle 186">
+              <a:extLst>
+                <a:ext uri="{FF2B5EF4-FFF2-40B4-BE49-F238E27FC236}">
+                  <a16:creationId xmlns:a16="http://schemas.microsoft.com/office/drawing/2014/main" id="{E1CEB99B-6B86-4CE7-5D5B-C1BCF79B7114}"/>
+                </a:ext>
+              </a:extLst>
+            </p:cNvPr>
+            <p:cNvSpPr/>
+            <p:nvPr/>
+          </p:nvSpPr>
+          <p:spPr>
+            <a:xfrm>
+              <a:off x="1595440" y="5382593"/>
+              <a:ext cx="46717" cy="47981"/>
+            </a:xfrm>
+            <a:prstGeom prst="rect">
+              <a:avLst/>
+            </a:prstGeom>
+            <a:noFill/>
+            <a:ln w="12700">
+              <a:solidFill>
+                <a:schemeClr val="tx1"/>
+              </a:solidFill>
+            </a:ln>
+          </p:spPr>
+          <p:style>
+            <a:lnRef idx="2">
+              <a:schemeClr val="accent1">
+                <a:shade val="15000"/>
+              </a:schemeClr>
+            </a:lnRef>
+            <a:fillRef idx="1">
+              <a:schemeClr val="accent1"/>
+            </a:fillRef>
+            <a:effectRef idx="0">
+              <a:schemeClr val="accent1"/>
+            </a:effectRef>
+            <a:fontRef idx="minor">
+              <a:schemeClr val="lt1"/>
+            </a:fontRef>
+          </p:style>
+          <p:txBody>
+            <a:bodyPr rtlCol="0" anchor="ctr"/>
+            <a:lstStyle/>
+            <a:p>
+              <a:pPr algn="ctr"/>
+              <a:endParaRPr lang="en-US"/>
+            </a:p>
+          </p:txBody>
+        </p:sp>
+        <p:sp>
+          <p:nvSpPr>
+            <p:cNvPr id="188" name="Rectangle 187">
+              <a:extLst>
+                <a:ext uri="{FF2B5EF4-FFF2-40B4-BE49-F238E27FC236}">
+                  <a16:creationId xmlns:a16="http://schemas.microsoft.com/office/drawing/2014/main" id="{CF78B122-298F-F6D3-576B-B618973B46A2}"/>
+                </a:ext>
+              </a:extLst>
+            </p:cNvPr>
+            <p:cNvSpPr/>
+            <p:nvPr/>
+          </p:nvSpPr>
+          <p:spPr>
+            <a:xfrm>
+              <a:off x="1671640" y="5382593"/>
+              <a:ext cx="46717" cy="47981"/>
+            </a:xfrm>
+            <a:prstGeom prst="rect">
+              <a:avLst/>
+            </a:prstGeom>
+            <a:noFill/>
+            <a:ln w="12700">
+              <a:solidFill>
+                <a:schemeClr val="tx1"/>
+              </a:solidFill>
+            </a:ln>
+          </p:spPr>
+          <p:style>
+            <a:lnRef idx="2">
+              <a:schemeClr val="accent1">
+                <a:shade val="15000"/>
+              </a:schemeClr>
+            </a:lnRef>
+            <a:fillRef idx="1">
+              <a:schemeClr val="accent1"/>
+            </a:fillRef>
+            <a:effectRef idx="0">
+              <a:schemeClr val="accent1"/>
+            </a:effectRef>
+            <a:fontRef idx="minor">
+              <a:schemeClr val="lt1"/>
+            </a:fontRef>
+          </p:style>
+          <p:txBody>
+            <a:bodyPr rtlCol="0" anchor="ctr"/>
+            <a:lstStyle/>
+            <a:p>
+              <a:pPr algn="ctr"/>
+              <a:endParaRPr lang="en-US"/>
+            </a:p>
+          </p:txBody>
+        </p:sp>
+        <p:sp>
+          <p:nvSpPr>
+            <p:cNvPr id="189" name="Rectangle 188">
+              <a:extLst>
+                <a:ext uri="{FF2B5EF4-FFF2-40B4-BE49-F238E27FC236}">
+                  <a16:creationId xmlns:a16="http://schemas.microsoft.com/office/drawing/2014/main" id="{359B1FBA-3CE2-D6FE-E021-182FEBFE630C}"/>
+                </a:ext>
+              </a:extLst>
+            </p:cNvPr>
+            <p:cNvSpPr/>
+            <p:nvPr/>
+          </p:nvSpPr>
+          <p:spPr>
+            <a:xfrm>
+              <a:off x="1747840" y="5382593"/>
+              <a:ext cx="46717" cy="47981"/>
+            </a:xfrm>
+            <a:prstGeom prst="rect">
+              <a:avLst/>
+            </a:prstGeom>
+            <a:noFill/>
+            <a:ln w="12700">
+              <a:solidFill>
+                <a:schemeClr val="tx1"/>
+              </a:solidFill>
+            </a:ln>
+          </p:spPr>
+          <p:style>
+            <a:lnRef idx="2">
+              <a:schemeClr val="accent1">
+                <a:shade val="15000"/>
+              </a:schemeClr>
+            </a:lnRef>
+            <a:fillRef idx="1">
+              <a:schemeClr val="accent1"/>
+            </a:fillRef>
+            <a:effectRef idx="0">
+              <a:schemeClr val="accent1"/>
+            </a:effectRef>
+            <a:fontRef idx="minor">
+              <a:schemeClr val="lt1"/>
+            </a:fontRef>
+          </p:style>
+          <p:txBody>
+            <a:bodyPr rtlCol="0" anchor="ctr"/>
+            <a:lstStyle/>
+            <a:p>
+              <a:pPr algn="ctr"/>
+              <a:endParaRPr lang="en-US"/>
+            </a:p>
+          </p:txBody>
+        </p:sp>
+        <p:sp>
+          <p:nvSpPr>
+            <p:cNvPr id="190" name="Rectangle 189">
+              <a:extLst>
+                <a:ext uri="{FF2B5EF4-FFF2-40B4-BE49-F238E27FC236}">
+                  <a16:creationId xmlns:a16="http://schemas.microsoft.com/office/drawing/2014/main" id="{F846E1C6-53BE-39EE-074C-C053CD31C06D}"/>
+                </a:ext>
+              </a:extLst>
+            </p:cNvPr>
+            <p:cNvSpPr/>
+            <p:nvPr/>
+          </p:nvSpPr>
+          <p:spPr>
+            <a:xfrm>
+              <a:off x="1824040" y="5382593"/>
+              <a:ext cx="46717" cy="47981"/>
+            </a:xfrm>
+            <a:prstGeom prst="rect">
+              <a:avLst/>
+            </a:prstGeom>
+            <a:noFill/>
+            <a:ln w="12700">
+              <a:solidFill>
+                <a:schemeClr val="tx1"/>
+              </a:solidFill>
+            </a:ln>
+          </p:spPr>
+          <p:style>
+            <a:lnRef idx="2">
+              <a:schemeClr val="accent1">
+                <a:shade val="15000"/>
+              </a:schemeClr>
+            </a:lnRef>
+            <a:fillRef idx="1">
+              <a:schemeClr val="accent1"/>
+            </a:fillRef>
+            <a:effectRef idx="0">
+              <a:schemeClr val="accent1"/>
+            </a:effectRef>
+            <a:fontRef idx="minor">
+              <a:schemeClr val="lt1"/>
+            </a:fontRef>
+          </p:style>
+          <p:txBody>
+            <a:bodyPr rtlCol="0" anchor="ctr"/>
+            <a:lstStyle/>
+            <a:p>
+              <a:pPr algn="ctr"/>
+              <a:endParaRPr lang="en-US"/>
+            </a:p>
+          </p:txBody>
+        </p:sp>
+        <p:sp>
+          <p:nvSpPr>
+            <p:cNvPr id="191" name="Rectangle 190">
+              <a:extLst>
+                <a:ext uri="{FF2B5EF4-FFF2-40B4-BE49-F238E27FC236}">
+                  <a16:creationId xmlns:a16="http://schemas.microsoft.com/office/drawing/2014/main" id="{BA4224D7-A67A-0AA4-5D77-8BDF7CB4DCF3}"/>
+                </a:ext>
+              </a:extLst>
+            </p:cNvPr>
+            <p:cNvSpPr/>
+            <p:nvPr/>
+          </p:nvSpPr>
+          <p:spPr>
+            <a:xfrm>
+              <a:off x="1439865" y="5465143"/>
+              <a:ext cx="46717" cy="47981"/>
+            </a:xfrm>
+            <a:prstGeom prst="rect">
+              <a:avLst/>
+            </a:prstGeom>
+            <a:noFill/>
+            <a:ln w="12700">
+              <a:solidFill>
+                <a:schemeClr val="tx1"/>
+              </a:solidFill>
+            </a:ln>
+          </p:spPr>
+          <p:style>
+            <a:lnRef idx="2">
+              <a:schemeClr val="accent1">
+                <a:shade val="15000"/>
+              </a:schemeClr>
+            </a:lnRef>
+            <a:fillRef idx="1">
+              <a:schemeClr val="accent1"/>
+            </a:fillRef>
+            <a:effectRef idx="0">
+              <a:schemeClr val="accent1"/>
+            </a:effectRef>
+            <a:fontRef idx="minor">
+              <a:schemeClr val="lt1"/>
+            </a:fontRef>
+          </p:style>
+          <p:txBody>
+            <a:bodyPr rtlCol="0" anchor="ctr"/>
+            <a:lstStyle/>
+            <a:p>
+              <a:pPr algn="ctr"/>
+              <a:endParaRPr lang="en-US"/>
+            </a:p>
+          </p:txBody>
+        </p:sp>
+        <p:sp>
+          <p:nvSpPr>
+            <p:cNvPr id="192" name="Rectangle 191">
+              <a:extLst>
+                <a:ext uri="{FF2B5EF4-FFF2-40B4-BE49-F238E27FC236}">
+                  <a16:creationId xmlns:a16="http://schemas.microsoft.com/office/drawing/2014/main" id="{E5380D2F-3BA5-D665-1750-3FB465DBBE90}"/>
+                </a:ext>
+              </a:extLst>
+            </p:cNvPr>
+            <p:cNvSpPr/>
+            <p:nvPr/>
+          </p:nvSpPr>
+          <p:spPr>
+            <a:xfrm>
+              <a:off x="1516065" y="5465143"/>
+              <a:ext cx="46717" cy="47981"/>
+            </a:xfrm>
+            <a:prstGeom prst="rect">
+              <a:avLst/>
+            </a:prstGeom>
+            <a:noFill/>
+            <a:ln w="12700">
+              <a:solidFill>
+                <a:schemeClr val="tx1"/>
+              </a:solidFill>
+            </a:ln>
+          </p:spPr>
+          <p:style>
+            <a:lnRef idx="2">
+              <a:schemeClr val="accent1">
+                <a:shade val="15000"/>
+              </a:schemeClr>
+            </a:lnRef>
+            <a:fillRef idx="1">
+              <a:schemeClr val="accent1"/>
+            </a:fillRef>
+            <a:effectRef idx="0">
+              <a:schemeClr val="accent1"/>
+            </a:effectRef>
+            <a:fontRef idx="minor">
+              <a:schemeClr val="lt1"/>
+            </a:fontRef>
+          </p:style>
+          <p:txBody>
+            <a:bodyPr rtlCol="0" anchor="ctr"/>
+            <a:lstStyle/>
+            <a:p>
+              <a:pPr algn="ctr"/>
+              <a:endParaRPr lang="en-US"/>
+            </a:p>
+          </p:txBody>
+        </p:sp>
+        <p:sp>
+          <p:nvSpPr>
+            <p:cNvPr id="193" name="Rectangle 192">
+              <a:extLst>
+                <a:ext uri="{FF2B5EF4-FFF2-40B4-BE49-F238E27FC236}">
+                  <a16:creationId xmlns:a16="http://schemas.microsoft.com/office/drawing/2014/main" id="{DC205017-6D04-EA09-BC7A-EBF83203236C}"/>
+                </a:ext>
+              </a:extLst>
+            </p:cNvPr>
+            <p:cNvSpPr/>
+            <p:nvPr/>
+          </p:nvSpPr>
+          <p:spPr>
+            <a:xfrm>
+              <a:off x="1595440" y="5465143"/>
+              <a:ext cx="46717" cy="47981"/>
+            </a:xfrm>
+            <a:prstGeom prst="rect">
+              <a:avLst/>
+            </a:prstGeom>
+            <a:noFill/>
+            <a:ln w="12700">
+              <a:solidFill>
+                <a:schemeClr val="tx1"/>
+              </a:solidFill>
+            </a:ln>
+          </p:spPr>
+          <p:style>
+            <a:lnRef idx="2">
+              <a:schemeClr val="accent1">
+                <a:shade val="15000"/>
+              </a:schemeClr>
+            </a:lnRef>
+            <a:fillRef idx="1">
+              <a:schemeClr val="accent1"/>
+            </a:fillRef>
+            <a:effectRef idx="0">
+              <a:schemeClr val="accent1"/>
+            </a:effectRef>
+            <a:fontRef idx="minor">
+              <a:schemeClr val="lt1"/>
+            </a:fontRef>
+          </p:style>
+          <p:txBody>
+            <a:bodyPr rtlCol="0" anchor="ctr"/>
+            <a:lstStyle/>
+            <a:p>
+              <a:pPr algn="ctr"/>
+              <a:endParaRPr lang="en-US"/>
+            </a:p>
+          </p:txBody>
+        </p:sp>
+        <p:sp>
+          <p:nvSpPr>
+            <p:cNvPr id="194" name="Rectangle 193">
+              <a:extLst>
+                <a:ext uri="{FF2B5EF4-FFF2-40B4-BE49-F238E27FC236}">
+                  <a16:creationId xmlns:a16="http://schemas.microsoft.com/office/drawing/2014/main" id="{D48024BE-B094-4B11-9791-104C42638831}"/>
+                </a:ext>
+              </a:extLst>
+            </p:cNvPr>
+            <p:cNvSpPr/>
+            <p:nvPr/>
+          </p:nvSpPr>
+          <p:spPr>
+            <a:xfrm>
+              <a:off x="1671640" y="5465143"/>
+              <a:ext cx="46717" cy="47981"/>
+            </a:xfrm>
+            <a:prstGeom prst="rect">
+              <a:avLst/>
+            </a:prstGeom>
+            <a:noFill/>
+            <a:ln w="12700">
+              <a:solidFill>
+                <a:schemeClr val="tx1"/>
+              </a:solidFill>
+            </a:ln>
+          </p:spPr>
+          <p:style>
+            <a:lnRef idx="2">
+              <a:schemeClr val="accent1">
+                <a:shade val="15000"/>
+              </a:schemeClr>
+            </a:lnRef>
+            <a:fillRef idx="1">
+              <a:schemeClr val="accent1"/>
+            </a:fillRef>
+            <a:effectRef idx="0">
+              <a:schemeClr val="accent1"/>
+            </a:effectRef>
+            <a:fontRef idx="minor">
+              <a:schemeClr val="lt1"/>
+            </a:fontRef>
+          </p:style>
+          <p:txBody>
+            <a:bodyPr rtlCol="0" anchor="ctr"/>
+            <a:lstStyle/>
+            <a:p>
+              <a:pPr algn="ctr"/>
+              <a:endParaRPr lang="en-US"/>
+            </a:p>
+          </p:txBody>
+        </p:sp>
+        <p:sp>
+          <p:nvSpPr>
+            <p:cNvPr id="195" name="Rectangle 194">
+              <a:extLst>
+                <a:ext uri="{FF2B5EF4-FFF2-40B4-BE49-F238E27FC236}">
+                  <a16:creationId xmlns:a16="http://schemas.microsoft.com/office/drawing/2014/main" id="{F24BE108-7B7C-212A-0252-ECAABA961644}"/>
+                </a:ext>
+              </a:extLst>
+            </p:cNvPr>
+            <p:cNvSpPr/>
+            <p:nvPr/>
+          </p:nvSpPr>
+          <p:spPr>
+            <a:xfrm>
+              <a:off x="1747840" y="5465143"/>
+              <a:ext cx="46717" cy="47981"/>
+            </a:xfrm>
+            <a:prstGeom prst="rect">
+              <a:avLst/>
+            </a:prstGeom>
+            <a:noFill/>
+            <a:ln w="12700">
+              <a:solidFill>
+                <a:schemeClr val="tx1"/>
+              </a:solidFill>
+            </a:ln>
+          </p:spPr>
+          <p:style>
+            <a:lnRef idx="2">
+              <a:schemeClr val="accent1">
+                <a:shade val="15000"/>
+              </a:schemeClr>
+            </a:lnRef>
+            <a:fillRef idx="1">
+              <a:schemeClr val="accent1"/>
+            </a:fillRef>
+            <a:effectRef idx="0">
+              <a:schemeClr val="accent1"/>
+            </a:effectRef>
+            <a:fontRef idx="minor">
+              <a:schemeClr val="lt1"/>
+            </a:fontRef>
+          </p:style>
+          <p:txBody>
+            <a:bodyPr rtlCol="0" anchor="ctr"/>
+            <a:lstStyle/>
+            <a:p>
+              <a:pPr algn="ctr"/>
+              <a:endParaRPr lang="en-US"/>
+            </a:p>
+          </p:txBody>
+        </p:sp>
+        <p:sp>
+          <p:nvSpPr>
+            <p:cNvPr id="196" name="Rectangle 195">
+              <a:extLst>
+                <a:ext uri="{FF2B5EF4-FFF2-40B4-BE49-F238E27FC236}">
+                  <a16:creationId xmlns:a16="http://schemas.microsoft.com/office/drawing/2014/main" id="{F3F16601-066A-9582-8253-B6D2757928C3}"/>
+                </a:ext>
+              </a:extLst>
+            </p:cNvPr>
+            <p:cNvSpPr/>
+            <p:nvPr/>
+          </p:nvSpPr>
+          <p:spPr>
+            <a:xfrm>
+              <a:off x="1824040" y="5465143"/>
+              <a:ext cx="46717" cy="47981"/>
+            </a:xfrm>
+            <a:prstGeom prst="rect">
+              <a:avLst/>
+            </a:prstGeom>
+            <a:noFill/>
+            <a:ln w="12700">
+              <a:solidFill>
+                <a:schemeClr val="tx1"/>
+              </a:solidFill>
+            </a:ln>
+          </p:spPr>
+          <p:style>
+            <a:lnRef idx="2">
+              <a:schemeClr val="accent1">
+                <a:shade val="15000"/>
+              </a:schemeClr>
+            </a:lnRef>
+            <a:fillRef idx="1">
+              <a:schemeClr val="accent1"/>
+            </a:fillRef>
+            <a:effectRef idx="0">
+              <a:schemeClr val="accent1"/>
+            </a:effectRef>
+            <a:fontRef idx="minor">
+              <a:schemeClr val="lt1"/>
+            </a:fontRef>
+          </p:style>
+          <p:txBody>
+            <a:bodyPr rtlCol="0" anchor="ctr"/>
+            <a:lstStyle/>
+            <a:p>
+              <a:pPr algn="ctr"/>
+              <a:endParaRPr lang="en-US"/>
+            </a:p>
+          </p:txBody>
+        </p:sp>
+        <p:sp>
+          <p:nvSpPr>
+            <p:cNvPr id="197" name="Rectangle 196">
+              <a:extLst>
+                <a:ext uri="{FF2B5EF4-FFF2-40B4-BE49-F238E27FC236}">
+                  <a16:creationId xmlns:a16="http://schemas.microsoft.com/office/drawing/2014/main" id="{2B18EAF9-2DB2-5A61-8ECF-6F67D388B9B7}"/>
+                </a:ext>
+              </a:extLst>
+            </p:cNvPr>
+            <p:cNvSpPr/>
+            <p:nvPr/>
+          </p:nvSpPr>
+          <p:spPr>
+            <a:xfrm>
+              <a:off x="1439865" y="5550868"/>
+              <a:ext cx="46717" cy="47981"/>
+            </a:xfrm>
+            <a:prstGeom prst="rect">
+              <a:avLst/>
+            </a:prstGeom>
+            <a:noFill/>
+            <a:ln w="12700">
+              <a:solidFill>
+                <a:schemeClr val="tx1"/>
+              </a:solidFill>
+            </a:ln>
+          </p:spPr>
+          <p:style>
+            <a:lnRef idx="2">
+              <a:schemeClr val="accent1">
+                <a:shade val="15000"/>
+              </a:schemeClr>
+            </a:lnRef>
+            <a:fillRef idx="1">
+              <a:schemeClr val="accent1"/>
+            </a:fillRef>
+            <a:effectRef idx="0">
+              <a:schemeClr val="accent1"/>
+            </a:effectRef>
+            <a:fontRef idx="minor">
+              <a:schemeClr val="lt1"/>
+            </a:fontRef>
+          </p:style>
+          <p:txBody>
+            <a:bodyPr rtlCol="0" anchor="ctr"/>
+            <a:lstStyle/>
+            <a:p>
+              <a:pPr algn="ctr"/>
+              <a:endParaRPr lang="en-US"/>
+            </a:p>
+          </p:txBody>
+        </p:sp>
+        <p:sp>
+          <p:nvSpPr>
+            <p:cNvPr id="198" name="Rectangle 197">
+              <a:extLst>
+                <a:ext uri="{FF2B5EF4-FFF2-40B4-BE49-F238E27FC236}">
+                  <a16:creationId xmlns:a16="http://schemas.microsoft.com/office/drawing/2014/main" id="{8378716C-1B7F-1B42-AF3F-28CE6E742A13}"/>
+                </a:ext>
+              </a:extLst>
+            </p:cNvPr>
+            <p:cNvSpPr/>
+            <p:nvPr/>
+          </p:nvSpPr>
+          <p:spPr>
+            <a:xfrm>
+              <a:off x="1516065" y="5550868"/>
+              <a:ext cx="46717" cy="47981"/>
+            </a:xfrm>
+            <a:prstGeom prst="rect">
+              <a:avLst/>
+            </a:prstGeom>
+            <a:noFill/>
+            <a:ln w="12700">
+              <a:solidFill>
+                <a:schemeClr val="tx1"/>
+              </a:solidFill>
+            </a:ln>
+          </p:spPr>
+          <p:style>
+            <a:lnRef idx="2">
+              <a:schemeClr val="accent1">
+                <a:shade val="15000"/>
+              </a:schemeClr>
+            </a:lnRef>
+            <a:fillRef idx="1">
+              <a:schemeClr val="accent1"/>
+            </a:fillRef>
+            <a:effectRef idx="0">
+              <a:schemeClr val="accent1"/>
+            </a:effectRef>
+            <a:fontRef idx="minor">
+              <a:schemeClr val="lt1"/>
+            </a:fontRef>
+          </p:style>
+          <p:txBody>
+            <a:bodyPr rtlCol="0" anchor="ctr"/>
+            <a:lstStyle/>
+            <a:p>
+              <a:pPr algn="ctr"/>
+              <a:endParaRPr lang="en-US"/>
+            </a:p>
+          </p:txBody>
+        </p:sp>
+        <p:sp>
+          <p:nvSpPr>
+            <p:cNvPr id="199" name="Rectangle 198">
+              <a:extLst>
+                <a:ext uri="{FF2B5EF4-FFF2-40B4-BE49-F238E27FC236}">
+                  <a16:creationId xmlns:a16="http://schemas.microsoft.com/office/drawing/2014/main" id="{7BB92CA1-003A-E35F-0AB0-0D1EC869B6E0}"/>
+                </a:ext>
+              </a:extLst>
+            </p:cNvPr>
+            <p:cNvSpPr/>
+            <p:nvPr/>
+          </p:nvSpPr>
+          <p:spPr>
+            <a:xfrm>
+              <a:off x="1595440" y="5550868"/>
+              <a:ext cx="46717" cy="47981"/>
+            </a:xfrm>
+            <a:prstGeom prst="rect">
+              <a:avLst/>
+            </a:prstGeom>
+            <a:noFill/>
+            <a:ln w="12700">
+              <a:solidFill>
+                <a:schemeClr val="tx1"/>
+              </a:solidFill>
+            </a:ln>
+          </p:spPr>
+          <p:style>
+            <a:lnRef idx="2">
+              <a:schemeClr val="accent1">
+                <a:shade val="15000"/>
+              </a:schemeClr>
+            </a:lnRef>
+            <a:fillRef idx="1">
+              <a:schemeClr val="accent1"/>
+            </a:fillRef>
+            <a:effectRef idx="0">
+              <a:schemeClr val="accent1"/>
+            </a:effectRef>
+            <a:fontRef idx="minor">
+              <a:schemeClr val="lt1"/>
+            </a:fontRef>
+          </p:style>
+          <p:txBody>
+            <a:bodyPr rtlCol="0" anchor="ctr"/>
+            <a:lstStyle/>
+            <a:p>
+              <a:pPr algn="ctr"/>
+              <a:endParaRPr lang="en-US"/>
+            </a:p>
+          </p:txBody>
+        </p:sp>
+        <p:sp>
+          <p:nvSpPr>
+            <p:cNvPr id="200" name="Rectangle 199">
+              <a:extLst>
+                <a:ext uri="{FF2B5EF4-FFF2-40B4-BE49-F238E27FC236}">
+                  <a16:creationId xmlns:a16="http://schemas.microsoft.com/office/drawing/2014/main" id="{60361731-810A-ADCB-D2D2-D07AA191033B}"/>
+                </a:ext>
+              </a:extLst>
+            </p:cNvPr>
+            <p:cNvSpPr/>
+            <p:nvPr/>
+          </p:nvSpPr>
+          <p:spPr>
+            <a:xfrm>
+              <a:off x="1671640" y="5550868"/>
+              <a:ext cx="46717" cy="47981"/>
+            </a:xfrm>
+            <a:prstGeom prst="rect">
+              <a:avLst/>
+            </a:prstGeom>
+            <a:noFill/>
+            <a:ln w="12700">
+              <a:solidFill>
+                <a:schemeClr val="tx1"/>
+              </a:solidFill>
+            </a:ln>
+          </p:spPr>
+          <p:style>
+            <a:lnRef idx="2">
+              <a:schemeClr val="accent1">
+                <a:shade val="15000"/>
+              </a:schemeClr>
+            </a:lnRef>
+            <a:fillRef idx="1">
+              <a:schemeClr val="accent1"/>
+            </a:fillRef>
+            <a:effectRef idx="0">
+              <a:schemeClr val="accent1"/>
+            </a:effectRef>
+            <a:fontRef idx="minor">
+              <a:schemeClr val="lt1"/>
+            </a:fontRef>
+          </p:style>
+          <p:txBody>
+            <a:bodyPr rtlCol="0" anchor="ctr"/>
+            <a:lstStyle/>
+            <a:p>
+              <a:pPr algn="ctr"/>
+              <a:endParaRPr lang="en-US"/>
+            </a:p>
+          </p:txBody>
+        </p:sp>
+        <p:sp>
+          <p:nvSpPr>
+            <p:cNvPr id="201" name="Rectangle 200">
+              <a:extLst>
+                <a:ext uri="{FF2B5EF4-FFF2-40B4-BE49-F238E27FC236}">
+                  <a16:creationId xmlns:a16="http://schemas.microsoft.com/office/drawing/2014/main" id="{3E04A999-C42B-A24A-A117-7FD37AEAE884}"/>
+                </a:ext>
+              </a:extLst>
+            </p:cNvPr>
+            <p:cNvSpPr/>
+            <p:nvPr/>
+          </p:nvSpPr>
+          <p:spPr>
+            <a:xfrm>
+              <a:off x="1747840" y="5550868"/>
+              <a:ext cx="46717" cy="47981"/>
+            </a:xfrm>
+            <a:prstGeom prst="rect">
+              <a:avLst/>
+            </a:prstGeom>
+            <a:noFill/>
+            <a:ln w="12700">
+              <a:solidFill>
+                <a:schemeClr val="tx1"/>
+              </a:solidFill>
+            </a:ln>
+          </p:spPr>
+          <p:style>
+            <a:lnRef idx="2">
+              <a:schemeClr val="accent1">
+                <a:shade val="15000"/>
+              </a:schemeClr>
+            </a:lnRef>
+            <a:fillRef idx="1">
+              <a:schemeClr val="accent1"/>
+            </a:fillRef>
+            <a:effectRef idx="0">
+              <a:schemeClr val="accent1"/>
+            </a:effectRef>
+            <a:fontRef idx="minor">
+              <a:schemeClr val="lt1"/>
+            </a:fontRef>
+          </p:style>
+          <p:txBody>
+            <a:bodyPr rtlCol="0" anchor="ctr"/>
+            <a:lstStyle/>
+            <a:p>
+              <a:pPr algn="ctr"/>
+              <a:endParaRPr lang="en-US"/>
+            </a:p>
+          </p:txBody>
+        </p:sp>
+        <p:sp>
+          <p:nvSpPr>
+            <p:cNvPr id="202" name="Rectangle 201">
+              <a:extLst>
+                <a:ext uri="{FF2B5EF4-FFF2-40B4-BE49-F238E27FC236}">
+                  <a16:creationId xmlns:a16="http://schemas.microsoft.com/office/drawing/2014/main" id="{A78322A3-CC95-E451-E9AC-981731FC7737}"/>
+                </a:ext>
+              </a:extLst>
+            </p:cNvPr>
+            <p:cNvSpPr/>
+            <p:nvPr/>
+          </p:nvSpPr>
+          <p:spPr>
+            <a:xfrm>
+              <a:off x="1824040" y="5550868"/>
+              <a:ext cx="46717" cy="47981"/>
+            </a:xfrm>
+            <a:prstGeom prst="rect">
+              <a:avLst/>
+            </a:prstGeom>
+            <a:noFill/>
+            <a:ln w="12700">
+              <a:solidFill>
+                <a:schemeClr val="tx1"/>
+              </a:solidFill>
+            </a:ln>
+          </p:spPr>
+          <p:style>
+            <a:lnRef idx="2">
+              <a:schemeClr val="accent1">
+                <a:shade val="15000"/>
+              </a:schemeClr>
+            </a:lnRef>
+            <a:fillRef idx="1">
+              <a:schemeClr val="accent1"/>
+            </a:fillRef>
+            <a:effectRef idx="0">
+              <a:schemeClr val="accent1"/>
+            </a:effectRef>
+            <a:fontRef idx="minor">
+              <a:schemeClr val="lt1"/>
+            </a:fontRef>
+          </p:style>
+          <p:txBody>
+            <a:bodyPr rtlCol="0" anchor="ctr"/>
+            <a:lstStyle/>
+            <a:p>
+              <a:pPr algn="ctr"/>
+              <a:endParaRPr lang="en-US"/>
+            </a:p>
+          </p:txBody>
+        </p:sp>
       </p:grpSp>
+      <mc:AlternateContent xmlns:mc="http://schemas.openxmlformats.org/markup-compatibility/2006">
+        <mc:Choice xmlns:a14="http://schemas.microsoft.com/office/drawing/2010/main" Requires="a14">
+          <p:sp>
+            <p:nvSpPr>
+              <p:cNvPr id="206" name="TextBox 205">
+                <a:extLst>
+                  <a:ext uri="{FF2B5EF4-FFF2-40B4-BE49-F238E27FC236}">
+                    <a16:creationId xmlns:a16="http://schemas.microsoft.com/office/drawing/2014/main" id="{E132D9F6-CD03-C12B-82F8-69F1B5C2CD12}"/>
+                  </a:ext>
+                </a:extLst>
+              </p:cNvPr>
+              <p:cNvSpPr txBox="1"/>
+              <p:nvPr/>
+            </p:nvSpPr>
+            <p:spPr>
+              <a:xfrm>
+                <a:off x="5844448" y="1777207"/>
+                <a:ext cx="898071" cy="369332"/>
+              </a:xfrm>
+              <a:prstGeom prst="rect">
+                <a:avLst/>
+              </a:prstGeom>
+              <a:noFill/>
+            </p:spPr>
+            <p:txBody>
+              <a:bodyPr wrap="square" rtlCol="0">
+                <a:spAutoFit/>
+              </a:bodyPr>
+              <a:lstStyle/>
+              <a:p>
+                <a:pPr algn="ctr"/>
+                <a14:m>
+                  <m:oMathPara xmlns:m="http://schemas.openxmlformats.org/officeDocument/2006/math">
+                    <m:oMathParaPr>
+                      <m:jc m:val="centerGroup"/>
+                    </m:oMathParaPr>
+                    <m:oMath xmlns:m="http://schemas.openxmlformats.org/officeDocument/2006/math">
+                      <m:r>
+                        <a:rPr lang="en-US" b="0" i="1" dirty="0" smtClean="0">
+                          <a:latin typeface="Cambria Math" panose="02040503050406030204" pitchFamily="18" charset="0"/>
+                        </a:rPr>
+                        <m:t>𝑏</m:t>
+                      </m:r>
+                      <m:r>
+                        <a:rPr lang="en-US" b="0" i="1" dirty="0" smtClean="0">
+                          <a:latin typeface="Cambria Math" panose="02040503050406030204" pitchFamily="18" charset="0"/>
+                        </a:rPr>
+                        <m:t>+</m:t>
+                      </m:r>
+                      <m:r>
+                        <a:rPr lang="en-US" i="1" dirty="0" smtClean="0">
+                          <a:latin typeface="Cambria Math" panose="02040503050406030204" pitchFamily="18" charset="0"/>
+                        </a:rPr>
+                        <m:t>𝑚</m:t>
+                      </m:r>
+                    </m:oMath>
+                  </m:oMathPara>
+                </a14:m>
+                <a:endParaRPr lang="en-US" dirty="0"/>
+              </a:p>
+            </p:txBody>
+          </p:sp>
+        </mc:Choice>
+        <mc:Fallback>
+          <p:sp>
+            <p:nvSpPr>
+              <p:cNvPr id="206" name="TextBox 205">
+                <a:extLst>
+                  <a:ext uri="{FF2B5EF4-FFF2-40B4-BE49-F238E27FC236}">
+                    <a16:creationId xmlns:a16="http://schemas.microsoft.com/office/drawing/2014/main" id="{E132D9F6-CD03-C12B-82F8-69F1B5C2CD12}"/>
+                  </a:ext>
+                </a:extLst>
+              </p:cNvPr>
+              <p:cNvSpPr txBox="1">
+                <a:spLocks noRot="1" noChangeAspect="1" noMove="1" noResize="1" noEditPoints="1" noAdjustHandles="1" noChangeArrowheads="1" noChangeShapeType="1" noTextEdit="1"/>
+              </p:cNvSpPr>
+              <p:nvPr/>
+            </p:nvSpPr>
+            <p:spPr>
+              <a:xfrm>
+                <a:off x="5844448" y="1777207"/>
+                <a:ext cx="898071" cy="369332"/>
+              </a:xfrm>
+              <a:prstGeom prst="rect">
+                <a:avLst/>
+              </a:prstGeom>
+              <a:blipFill>
+                <a:blip r:embed="rId5"/>
+                <a:stretch>
+                  <a:fillRect/>
+                </a:stretch>
+              </a:blipFill>
+            </p:spPr>
+            <p:txBody>
+              <a:bodyPr/>
+              <a:lstStyle/>
+              <a:p>
+                <a:r>
+                  <a:rPr lang="en-US">
+                    <a:noFill/>
+                  </a:rPr>
+                  <a:t> </a:t>
+                </a:r>
+              </a:p>
+            </p:txBody>
+          </p:sp>
+        </mc:Fallback>
+      </mc:AlternateContent>
       <p:sp>
         <p:nvSpPr>
-          <p:cNvPr id="126" name="TextBox 125">
-            <a:extLst>
-              <a:ext uri="{FF2B5EF4-FFF2-40B4-BE49-F238E27FC236}">
-                <a16:creationId xmlns:a16="http://schemas.microsoft.com/office/drawing/2014/main" id="{1B896492-8BE6-DDA4-2786-06B2DB7F260A}"/>
+          <p:cNvPr id="208" name="Left Brace 207">
+            <a:extLst>
+              <a:ext uri="{FF2B5EF4-FFF2-40B4-BE49-F238E27FC236}">
+                <a16:creationId xmlns:a16="http://schemas.microsoft.com/office/drawing/2014/main" id="{5F70F044-831B-42ED-9962-8792ACEF8BB6}"/>
+              </a:ext>
+            </a:extLst>
+          </p:cNvPr>
+          <p:cNvSpPr/>
+          <p:nvPr/>
+        </p:nvSpPr>
+        <p:spPr>
+          <a:xfrm rot="5400000">
+            <a:off x="3050026" y="-25660"/>
+            <a:ext cx="300352" cy="1903289"/>
+          </a:xfrm>
+          <a:prstGeom prst="leftBrace">
+            <a:avLst/>
+          </a:prstGeom>
+          <a:ln w="19050">
+            <a:solidFill>
+              <a:schemeClr val="tx1"/>
+            </a:solidFill>
+          </a:ln>
+        </p:spPr>
+        <p:style>
+          <a:lnRef idx="1">
+            <a:schemeClr val="accent1"/>
+          </a:lnRef>
+          <a:fillRef idx="0">
+            <a:schemeClr val="accent1"/>
+          </a:fillRef>
+          <a:effectRef idx="0">
+            <a:schemeClr val="accent1"/>
+          </a:effectRef>
+          <a:fontRef idx="minor">
+            <a:schemeClr val="tx1"/>
+          </a:fontRef>
+        </p:style>
+        <p:txBody>
+          <a:bodyPr rtlCol="0" anchor="ctr"/>
+          <a:lstStyle/>
+          <a:p>
+            <a:pPr algn="ctr"/>
+            <a:endParaRPr lang="en-US" dirty="0"/>
+          </a:p>
+        </p:txBody>
+      </p:sp>
+      <p:sp>
+        <p:nvSpPr>
+          <p:cNvPr id="209" name="TextBox 208">
+            <a:extLst>
+              <a:ext uri="{FF2B5EF4-FFF2-40B4-BE49-F238E27FC236}">
+                <a16:creationId xmlns:a16="http://schemas.microsoft.com/office/drawing/2014/main" id="{AF3CBDE6-8A30-AFDE-12DE-1C809C0F45CF}"/>
               </a:ext>
             </a:extLst>
           </p:cNvPr>
@@ -6544,8 +9008,8 @@
         </p:nvSpPr>
         <p:spPr>
           <a:xfrm>
-            <a:off x="1413356" y="2373642"/>
-            <a:ext cx="718466" cy="369332"/>
+            <a:off x="2497748" y="406476"/>
+            <a:ext cx="1492203" cy="369332"/>
           </a:xfrm>
           <a:prstGeom prst="rect">
             <a:avLst/>
@@ -6559,150 +9023,58 @@
           <a:lstStyle/>
           <a:p>
             <a:r>
-              <a:rPr lang="en-US" dirty="0" err="1"/>
-              <a:t>inode</a:t>
+              <a:rPr lang="en-US" dirty="0"/>
+              <a:t>bitmap blocks</a:t>
             </a:r>
-            <a:endParaRPr lang="en-US" dirty="0"/>
           </a:p>
         </p:txBody>
       </p:sp>
       <p:sp>
         <p:nvSpPr>
-          <p:cNvPr id="127" name="TextBox 126">
-            <a:extLst>
-              <a:ext uri="{FF2B5EF4-FFF2-40B4-BE49-F238E27FC236}">
-                <a16:creationId xmlns:a16="http://schemas.microsoft.com/office/drawing/2014/main" id="{2DD8C4EF-BCD4-6819-DF87-385D01C9EFC4}"/>
-              </a:ext>
-            </a:extLst>
-          </p:cNvPr>
-          <p:cNvSpPr txBox="1"/>
+          <p:cNvPr id="210" name="Left Brace 209">
+            <a:extLst>
+              <a:ext uri="{FF2B5EF4-FFF2-40B4-BE49-F238E27FC236}">
+                <a16:creationId xmlns:a16="http://schemas.microsoft.com/office/drawing/2014/main" id="{08A1019B-C379-E277-F382-EF14D1D3D29B}"/>
+              </a:ext>
+            </a:extLst>
+          </p:cNvPr>
+          <p:cNvSpPr/>
           <p:nvPr/>
         </p:nvSpPr>
         <p:spPr>
-          <a:xfrm>
-            <a:off x="5426556" y="3300742"/>
-            <a:ext cx="886012" cy="369332"/>
+          <a:xfrm rot="5400000">
+            <a:off x="7646962" y="-276887"/>
+            <a:ext cx="300352" cy="2405743"/>
           </a:xfrm>
-          <a:prstGeom prst="rect">
+          <a:prstGeom prst="leftBrace">
             <a:avLst/>
           </a:prstGeom>
-          <a:noFill/>
+          <a:ln w="19050">
+            <a:solidFill>
+              <a:schemeClr val="tx1"/>
+            </a:solidFill>
+          </a:ln>
         </p:spPr>
+        <p:style>
+          <a:lnRef idx="1">
+            <a:schemeClr val="accent1"/>
+          </a:lnRef>
+          <a:fillRef idx="0">
+            <a:schemeClr val="accent1"/>
+          </a:fillRef>
+          <a:effectRef idx="0">
+            <a:schemeClr val="accent1"/>
+          </a:effectRef>
+          <a:fontRef idx="minor">
+            <a:schemeClr val="tx1"/>
+          </a:fontRef>
+        </p:style>
         <p:txBody>
-          <a:bodyPr wrap="none" rtlCol="0">
-            <a:spAutoFit/>
-          </a:bodyPr>
+          <a:bodyPr rtlCol="0" anchor="ctr"/>
           <a:lstStyle/>
           <a:p>
-            <a:r>
-              <a:rPr lang="en-US" dirty="0"/>
-              <a:t>free list</a:t>
-            </a:r>
-          </a:p>
-        </p:txBody>
-      </p:sp>
-      <p:sp>
-        <p:nvSpPr>
-          <p:cNvPr id="128" name="TextBox 127">
-            <a:extLst>
-              <a:ext uri="{FF2B5EF4-FFF2-40B4-BE49-F238E27FC236}">
-                <a16:creationId xmlns:a16="http://schemas.microsoft.com/office/drawing/2014/main" id="{DFB1E7FB-9B5D-18D8-4226-D902993FF961}"/>
-              </a:ext>
-            </a:extLst>
-          </p:cNvPr>
-          <p:cNvSpPr txBox="1"/>
-          <p:nvPr/>
-        </p:nvSpPr>
-        <p:spPr>
-          <a:xfrm>
-            <a:off x="1180623" y="591142"/>
-            <a:ext cx="436338" cy="369332"/>
-          </a:xfrm>
-          <a:prstGeom prst="rect">
-            <a:avLst/>
-          </a:prstGeom>
-          <a:noFill/>
-        </p:spPr>
-        <p:txBody>
-          <a:bodyPr wrap="square" rtlCol="0">
-            <a:spAutoFit/>
-          </a:bodyPr>
-          <a:lstStyle/>
-          <a:p>
-            <a:r>
-              <a:rPr lang="en-US" dirty="0"/>
-              <a:t>(a)</a:t>
-            </a:r>
-          </a:p>
-        </p:txBody>
-      </p:sp>
-      <p:sp>
-        <p:nvSpPr>
-          <p:cNvPr id="129" name="TextBox 128">
-            <a:extLst>
-              <a:ext uri="{FF2B5EF4-FFF2-40B4-BE49-F238E27FC236}">
-                <a16:creationId xmlns:a16="http://schemas.microsoft.com/office/drawing/2014/main" id="{96C4A9DA-7278-EB65-A06F-9D7A3E57CE30}"/>
-              </a:ext>
-            </a:extLst>
-          </p:cNvPr>
-          <p:cNvSpPr txBox="1"/>
-          <p:nvPr/>
-        </p:nvSpPr>
-        <p:spPr>
-          <a:xfrm>
-            <a:off x="1543051" y="3995338"/>
-            <a:ext cx="598714" cy="369332"/>
-          </a:xfrm>
-          <a:prstGeom prst="rect">
-            <a:avLst/>
-          </a:prstGeom>
-          <a:noFill/>
-        </p:spPr>
-        <p:txBody>
-          <a:bodyPr wrap="square" rtlCol="0">
-            <a:spAutoFit/>
-          </a:bodyPr>
-          <a:lstStyle/>
-          <a:p>
-            <a:r>
-              <a:rPr lang="en-US" dirty="0"/>
-              <a:t>(b)</a:t>
-            </a:r>
-          </a:p>
-        </p:txBody>
-      </p:sp>
-      <p:sp>
-        <p:nvSpPr>
-          <p:cNvPr id="130" name="TextBox 129">
-            <a:extLst>
-              <a:ext uri="{FF2B5EF4-FFF2-40B4-BE49-F238E27FC236}">
-                <a16:creationId xmlns:a16="http://schemas.microsoft.com/office/drawing/2014/main" id="{D9140C47-C780-7FCC-EAD6-B53373A064BA}"/>
-              </a:ext>
-            </a:extLst>
-          </p:cNvPr>
-          <p:cNvSpPr txBox="1"/>
-          <p:nvPr/>
-        </p:nvSpPr>
-        <p:spPr>
-          <a:xfrm>
-            <a:off x="5546009" y="3938944"/>
-            <a:ext cx="598714" cy="369332"/>
-          </a:xfrm>
-          <a:prstGeom prst="rect">
-            <a:avLst/>
-          </a:prstGeom>
-          <a:noFill/>
-        </p:spPr>
-        <p:txBody>
-          <a:bodyPr wrap="square" rtlCol="0">
-            <a:spAutoFit/>
-          </a:bodyPr>
-          <a:lstStyle/>
-          <a:p>
-            <a:r>
-              <a:rPr lang="en-US" dirty="0"/>
-              <a:t>(c)</a:t>
-            </a:r>
+            <a:pPr algn="ctr"/>
+            <a:endParaRPr lang="en-US" dirty="0"/>
           </a:p>
         </p:txBody>
       </p:sp>
